--- a/Fraudulent Claim Detection_Final.pptx
+++ b/Fraudulent Claim Detection_Final.pptx
@@ -12,16 +12,6 @@
     <p:sldId id="263" r:id="rId6"/>
     <p:sldId id="262" r:id="rId7"/>
     <p:sldId id="265" r:id="rId8"/>
-    <p:sldId id="266" r:id="rId9"/>
-    <p:sldId id="272" r:id="rId10"/>
-    <p:sldId id="273" r:id="rId11"/>
-    <p:sldId id="274" r:id="rId12"/>
-    <p:sldId id="275" r:id="rId13"/>
-    <p:sldId id="277" r:id="rId14"/>
-    <p:sldId id="278" r:id="rId15"/>
-    <p:sldId id="286" r:id="rId16"/>
-    <p:sldId id="279" r:id="rId17"/>
-    <p:sldId id="281" r:id="rId18"/>
   </p:sldIdLst>
   <p:sldSz cx="12192000" cy="6858000"/>
   <p:notesSz cx="6858000" cy="9144000"/>
@@ -6058,2812 +6048,6 @@
 </p:sld>
 </file>
 
-<file path=ppt/slides/slide10.xml><?xml version="1.0" encoding="utf-8"?>
-<p:sld xmlns:a="http://schemas.openxmlformats.org/drawingml/2006/main" xmlns:r="http://schemas.openxmlformats.org/officeDocument/2006/relationships" xmlns:p="http://schemas.openxmlformats.org/presentationml/2006/main">
-  <p:cSld>
-    <p:spTree>
-      <p:nvGrpSpPr>
-        <p:cNvPr id="1" name=""/>
-        <p:cNvGrpSpPr/>
-        <p:nvPr/>
-      </p:nvGrpSpPr>
-      <p:grpSpPr>
-        <a:xfrm>
-          <a:off x="0" y="0"/>
-          <a:ext cx="0" cy="0"/>
-          <a:chOff x="0" y="0"/>
-          <a:chExt cx="0" cy="0"/>
-        </a:xfrm>
-      </p:grpSpPr>
-      <p:sp>
-        <p:nvSpPr>
-          <p:cNvPr id="4" name="Title 3">
-            <a:extLst>
-              <a:ext uri="{FF2B5EF4-FFF2-40B4-BE49-F238E27FC236}">
-                <a16:creationId xmlns:a16="http://schemas.microsoft.com/office/drawing/2014/main" id="{6B919828-4FEA-48FC-9680-A42341B1D0FE}"/>
-              </a:ext>
-            </a:extLst>
-          </p:cNvPr>
-          <p:cNvSpPr>
-            <a:spLocks noGrp="1"/>
-          </p:cNvSpPr>
-          <p:nvPr>
-            <p:ph type="title"/>
-          </p:nvPr>
-        </p:nvSpPr>
-        <p:spPr/>
-        <p:txBody>
-          <a:bodyPr/>
-          <a:lstStyle/>
-          <a:p>
-            <a:r>
-              <a:rPr lang="en-IN" dirty="0"/>
-              <a:t>Correlation Amongst Numerical Features</a:t>
-            </a:r>
-          </a:p>
-        </p:txBody>
-      </p:sp>
-      <p:pic>
-        <p:nvPicPr>
-          <p:cNvPr id="2" name="Picture 1">
-            <a:extLst>
-              <a:ext uri="{FF2B5EF4-FFF2-40B4-BE49-F238E27FC236}">
-                <a16:creationId xmlns:a16="http://schemas.microsoft.com/office/drawing/2014/main" id="{D7A13D5E-0BAE-C034-E122-E5408F26BD1F}"/>
-              </a:ext>
-            </a:extLst>
-          </p:cNvPr>
-          <p:cNvPicPr>
-            <a:picLocks noChangeAspect="1"/>
-          </p:cNvPicPr>
-          <p:nvPr/>
-        </p:nvPicPr>
-        <p:blipFill>
-          <a:blip r:embed="rId2">
-            <a:extLst>
-              <a:ext uri="{28A0092B-C50C-407E-A947-70E740481C1C}">
-                <a14:useLocalDpi xmlns:a14="http://schemas.microsoft.com/office/drawing/2010/main" val="0"/>
-              </a:ext>
-            </a:extLst>
-          </a:blip>
-          <a:srcRect/>
-          <a:stretch>
-            <a:fillRect/>
-          </a:stretch>
-        </p:blipFill>
-        <p:spPr bwMode="auto">
-          <a:xfrm>
-            <a:off x="152399" y="2222287"/>
-            <a:ext cx="5943600" cy="4318635"/>
-          </a:xfrm>
-          <a:prstGeom prst="rect">
-            <a:avLst/>
-          </a:prstGeom>
-          <a:solidFill>
-            <a:schemeClr val="tx1"/>
-          </a:solidFill>
-          <a:ln>
-            <a:noFill/>
-          </a:ln>
-        </p:spPr>
-      </p:pic>
-      <p:sp>
-        <p:nvSpPr>
-          <p:cNvPr id="9" name="Content Placeholder 8">
-            <a:extLst>
-              <a:ext uri="{FF2B5EF4-FFF2-40B4-BE49-F238E27FC236}">
-                <a16:creationId xmlns:a16="http://schemas.microsoft.com/office/drawing/2014/main" id="{9546AAF7-C8CB-E1DF-67DB-04840FD02EDB}"/>
-              </a:ext>
-            </a:extLst>
-          </p:cNvPr>
-          <p:cNvSpPr>
-            <a:spLocks noGrp="1"/>
-          </p:cNvSpPr>
-          <p:nvPr>
-            <p:ph sz="half" idx="1"/>
-          </p:nvPr>
-        </p:nvSpPr>
-        <p:spPr/>
-        <p:txBody>
-          <a:bodyPr/>
-          <a:lstStyle/>
-          <a:p>
-            <a:endParaRPr lang="en-US"/>
-          </a:p>
-        </p:txBody>
-      </p:sp>
-      <p:sp>
-        <p:nvSpPr>
-          <p:cNvPr id="12" name="Rectangle 3">
-            <a:extLst>
-              <a:ext uri="{FF2B5EF4-FFF2-40B4-BE49-F238E27FC236}">
-                <a16:creationId xmlns:a16="http://schemas.microsoft.com/office/drawing/2014/main" id="{9F459441-4178-4F2E-4025-94D7941BF932}"/>
-              </a:ext>
-            </a:extLst>
-          </p:cNvPr>
-          <p:cNvSpPr>
-            <a:spLocks noGrp="1" noChangeArrowheads="1"/>
-          </p:cNvSpPr>
-          <p:nvPr>
-            <p:ph sz="half" idx="2"/>
-          </p:nvPr>
-        </p:nvSpPr>
-        <p:spPr bwMode="auto">
-          <a:xfrm>
-            <a:off x="6187416" y="2356592"/>
-            <a:ext cx="5732836" cy="3370153"/>
-          </a:xfrm>
-          <a:prstGeom prst="rect">
-            <a:avLst/>
-          </a:prstGeom>
-          <a:solidFill>
-            <a:srgbClr val="FFFFFF"/>
-          </a:solidFill>
-          <a:ln>
-            <a:noFill/>
-          </a:ln>
-          <a:effectLst/>
-          <a:extLst>
-            <a:ext uri="{91240B29-F687-4F45-9708-019B960494DF}">
-              <a14:hiddenLine xmlns:a14="http://schemas.microsoft.com/office/drawing/2010/main" w="9525">
-                <a:solidFill>
-                  <a:schemeClr val="tx1"/>
-                </a:solidFill>
-                <a:miter lim="800000"/>
-                <a:headEnd/>
-                <a:tailEnd/>
-              </a14:hiddenLine>
-            </a:ext>
-            <a:ext uri="{AF507438-7753-43E0-B8FC-AC1667EBCBE1}">
-              <a14:hiddenEffects xmlns:a14="http://schemas.microsoft.com/office/drawing/2010/main">
-                <a:effectLst>
-                  <a:outerShdw dist="35921" dir="2700000" algn="ctr" rotWithShape="0">
-                    <a:schemeClr val="bg2"/>
-                  </a:outerShdw>
-                </a:effectLst>
-              </a14:hiddenEffects>
-            </a:ext>
-          </a:extLst>
-        </p:spPr>
-        <p:txBody>
-          <a:bodyPr vert="horz" wrap="square" lIns="91440" tIns="45720" rIns="91440" bIns="0" numCol="1" anchor="ctr" anchorCtr="0" compatLnSpc="1">
-            <a:prstTxWarp prst="textNoShape">
-              <a:avLst/>
-            </a:prstTxWarp>
-            <a:spAutoFit/>
-          </a:bodyPr>
-          <a:lstStyle/>
-          <a:p>
-            <a:pPr marL="0" marR="0" lvl="0" indent="0" algn="l" defTabSz="914400" rtl="0" eaLnBrk="0" fontAlgn="base" latinLnBrk="0" hangingPunct="0">
-              <a:lnSpc>
-                <a:spcPct val="100000"/>
-              </a:lnSpc>
-              <a:spcBef>
-                <a:spcPct val="0"/>
-              </a:spcBef>
-              <a:spcAft>
-                <a:spcPct val="0"/>
-              </a:spcAft>
-              <a:buClrTx/>
-              <a:buSzTx/>
-              <a:buFontTx/>
-              <a:buNone/>
-              <a:tabLst/>
-            </a:pPr>
-            <a:endParaRPr kumimoji="0" lang="en-US" altLang="en-US" sz="1800" b="0" i="0" u="none" strike="noStrike" cap="none" normalizeH="0" baseline="0" dirty="0">
-              <a:ln>
-                <a:noFill/>
-              </a:ln>
-              <a:solidFill>
-                <a:schemeClr val="bg1"/>
-              </a:solidFill>
-              <a:effectLst/>
-              <a:latin typeface="Arial" panose="020B0604020202020204" pitchFamily="34" charset="0"/>
-            </a:endParaRPr>
-          </a:p>
-          <a:p>
-            <a:pPr marL="0" marR="0" lvl="0" indent="0" algn="l" defTabSz="914400" rtl="0" eaLnBrk="0" fontAlgn="base" latinLnBrk="0" hangingPunct="0">
-              <a:lnSpc>
-                <a:spcPct val="100000"/>
-              </a:lnSpc>
-              <a:spcBef>
-                <a:spcPct val="0"/>
-              </a:spcBef>
-              <a:spcAft>
-                <a:spcPct val="0"/>
-              </a:spcAft>
-              <a:buClrTx/>
-              <a:buSzTx/>
-              <a:buFontTx/>
-              <a:buChar char="•"/>
-              <a:tabLst/>
-            </a:pPr>
-            <a:r>
-              <a:rPr kumimoji="0" lang="en-US" altLang="en-US" sz="1500" b="1" i="0" u="none" strike="noStrike" cap="none" normalizeH="0" baseline="0" dirty="0">
-                <a:ln>
-                  <a:noFill/>
-                </a:ln>
-                <a:solidFill>
-                  <a:schemeClr val="bg1"/>
-                </a:solidFill>
-                <a:effectLst/>
-                <a:latin typeface="Calibri" panose="020F0502020204030204" pitchFamily="34" charset="0"/>
-                <a:cs typeface="Calibri" panose="020F0502020204030204" pitchFamily="34" charset="0"/>
-              </a:rPr>
-              <a:t>Strong Positive Correlations</a:t>
-            </a:r>
-            <a:r>
-              <a:rPr kumimoji="0" lang="en-US" altLang="en-US" sz="1500" b="0" i="0" u="none" strike="noStrike" cap="none" normalizeH="0" baseline="0" dirty="0">
-                <a:ln>
-                  <a:noFill/>
-                </a:ln>
-                <a:solidFill>
-                  <a:schemeClr val="bg1"/>
-                </a:solidFill>
-                <a:effectLst/>
-                <a:latin typeface="Calibri" panose="020F0502020204030204" pitchFamily="34" charset="0"/>
-                <a:cs typeface="Calibri" panose="020F0502020204030204" pitchFamily="34" charset="0"/>
-              </a:rPr>
-              <a:t>:</a:t>
-            </a:r>
-          </a:p>
-          <a:p>
-            <a:pPr marL="457200" marR="0" lvl="1" indent="0" algn="l" defTabSz="914400" rtl="0" eaLnBrk="0" fontAlgn="base" latinLnBrk="0" hangingPunct="0">
-              <a:lnSpc>
-                <a:spcPct val="100000"/>
-              </a:lnSpc>
-              <a:spcBef>
-                <a:spcPct val="0"/>
-              </a:spcBef>
-              <a:spcAft>
-                <a:spcPct val="0"/>
-              </a:spcAft>
-              <a:buClrTx/>
-              <a:buSzTx/>
-              <a:buFontTx/>
-              <a:buChar char="•"/>
-              <a:tabLst/>
-            </a:pPr>
-            <a:r>
-              <a:rPr kumimoji="0" lang="en-US" altLang="en-US" sz="1500" b="0" i="0" u="none" strike="noStrike" cap="none" normalizeH="0" baseline="0" dirty="0" err="1">
-                <a:ln>
-                  <a:noFill/>
-                </a:ln>
-                <a:solidFill>
-                  <a:schemeClr val="bg1"/>
-                </a:solidFill>
-                <a:effectLst/>
-                <a:latin typeface="Calibri" panose="020F0502020204030204" pitchFamily="34" charset="0"/>
-                <a:cs typeface="Calibri" panose="020F0502020204030204" pitchFamily="34" charset="0"/>
-              </a:rPr>
-              <a:t>total_claim_amount</a:t>
-            </a:r>
-            <a:r>
-              <a:rPr kumimoji="0" lang="en-US" altLang="en-US" sz="1500" b="0" i="0" u="none" strike="noStrike" cap="none" normalizeH="0" baseline="0" dirty="0">
-                <a:ln>
-                  <a:noFill/>
-                </a:ln>
-                <a:solidFill>
-                  <a:schemeClr val="bg1"/>
-                </a:solidFill>
-                <a:effectLst/>
-                <a:latin typeface="Calibri" panose="020F0502020204030204" pitchFamily="34" charset="0"/>
-                <a:cs typeface="Calibri" panose="020F0502020204030204" pitchFamily="34" charset="0"/>
-              </a:rPr>
-              <a:t> shows high correlation with:</a:t>
-            </a:r>
-          </a:p>
-          <a:p>
-            <a:pPr marL="914400" marR="0" lvl="2" indent="0" algn="l" defTabSz="914400" rtl="0" eaLnBrk="0" fontAlgn="base" latinLnBrk="0" hangingPunct="0">
-              <a:lnSpc>
-                <a:spcPct val="100000"/>
-              </a:lnSpc>
-              <a:spcBef>
-                <a:spcPct val="0"/>
-              </a:spcBef>
-              <a:spcAft>
-                <a:spcPct val="0"/>
-              </a:spcAft>
-              <a:buClrTx/>
-              <a:buSzTx/>
-              <a:buFontTx/>
-              <a:buChar char="•"/>
-              <a:tabLst/>
-            </a:pPr>
-            <a:r>
-              <a:rPr kumimoji="0" lang="en-US" altLang="en-US" sz="1500" b="0" i="0" u="none" strike="noStrike" cap="none" normalizeH="0" baseline="0" dirty="0" err="1">
-                <a:ln>
-                  <a:noFill/>
-                </a:ln>
-                <a:solidFill>
-                  <a:schemeClr val="bg1"/>
-                </a:solidFill>
-                <a:effectLst/>
-                <a:latin typeface="Calibri" panose="020F0502020204030204" pitchFamily="34" charset="0"/>
-                <a:cs typeface="Calibri" panose="020F0502020204030204" pitchFamily="34" charset="0"/>
-              </a:rPr>
-              <a:t>injury_claim</a:t>
-            </a:r>
-            <a:r>
-              <a:rPr kumimoji="0" lang="en-US" altLang="en-US" sz="1500" b="0" i="0" u="none" strike="noStrike" cap="none" normalizeH="0" baseline="0" dirty="0">
-                <a:ln>
-                  <a:noFill/>
-                </a:ln>
-                <a:solidFill>
-                  <a:schemeClr val="bg1"/>
-                </a:solidFill>
-                <a:effectLst/>
-                <a:latin typeface="Calibri" panose="020F0502020204030204" pitchFamily="34" charset="0"/>
-                <a:cs typeface="Calibri" panose="020F0502020204030204" pitchFamily="34" charset="0"/>
-              </a:rPr>
-              <a:t> (0.82)</a:t>
-            </a:r>
-          </a:p>
-          <a:p>
-            <a:pPr marL="914400" marR="0" lvl="2" indent="0" algn="l" defTabSz="914400" rtl="0" eaLnBrk="0" fontAlgn="base" latinLnBrk="0" hangingPunct="0">
-              <a:lnSpc>
-                <a:spcPct val="100000"/>
-              </a:lnSpc>
-              <a:spcBef>
-                <a:spcPct val="0"/>
-              </a:spcBef>
-              <a:spcAft>
-                <a:spcPct val="0"/>
-              </a:spcAft>
-              <a:buClrTx/>
-              <a:buSzTx/>
-              <a:buFontTx/>
-              <a:buChar char="•"/>
-              <a:tabLst/>
-            </a:pPr>
-            <a:r>
-              <a:rPr kumimoji="0" lang="en-US" altLang="en-US" sz="1500" b="0" i="0" u="none" strike="noStrike" cap="none" normalizeH="0" baseline="0" dirty="0" err="1">
-                <a:ln>
-                  <a:noFill/>
-                </a:ln>
-                <a:solidFill>
-                  <a:schemeClr val="bg1"/>
-                </a:solidFill>
-                <a:effectLst/>
-                <a:latin typeface="Calibri" panose="020F0502020204030204" pitchFamily="34" charset="0"/>
-                <a:cs typeface="Calibri" panose="020F0502020204030204" pitchFamily="34" charset="0"/>
-              </a:rPr>
-              <a:t>property_claim</a:t>
-            </a:r>
-            <a:r>
-              <a:rPr kumimoji="0" lang="en-US" altLang="en-US" sz="1500" b="0" i="0" u="none" strike="noStrike" cap="none" normalizeH="0" baseline="0" dirty="0">
-                <a:ln>
-                  <a:noFill/>
-                </a:ln>
-                <a:solidFill>
-                  <a:schemeClr val="bg1"/>
-                </a:solidFill>
-                <a:effectLst/>
-                <a:latin typeface="Calibri" panose="020F0502020204030204" pitchFamily="34" charset="0"/>
-                <a:cs typeface="Calibri" panose="020F0502020204030204" pitchFamily="34" charset="0"/>
-              </a:rPr>
-              <a:t> (0.82)</a:t>
-            </a:r>
-          </a:p>
-          <a:p>
-            <a:pPr marL="914400" marR="0" lvl="2" indent="0" algn="l" defTabSz="914400" rtl="0" eaLnBrk="0" fontAlgn="base" latinLnBrk="0" hangingPunct="0">
-              <a:lnSpc>
-                <a:spcPct val="100000"/>
-              </a:lnSpc>
-              <a:spcBef>
-                <a:spcPct val="0"/>
-              </a:spcBef>
-              <a:spcAft>
-                <a:spcPct val="0"/>
-              </a:spcAft>
-              <a:buClrTx/>
-              <a:buSzTx/>
-              <a:buFontTx/>
-              <a:buChar char="•"/>
-              <a:tabLst/>
-            </a:pPr>
-            <a:r>
-              <a:rPr kumimoji="0" lang="en-US" altLang="en-US" sz="1500" b="0" i="0" u="none" strike="noStrike" cap="none" normalizeH="0" baseline="0" dirty="0" err="1">
-                <a:ln>
-                  <a:noFill/>
-                </a:ln>
-                <a:solidFill>
-                  <a:schemeClr val="bg1"/>
-                </a:solidFill>
-                <a:effectLst/>
-                <a:latin typeface="Calibri" panose="020F0502020204030204" pitchFamily="34" charset="0"/>
-                <a:cs typeface="Calibri" panose="020F0502020204030204" pitchFamily="34" charset="0"/>
-              </a:rPr>
-              <a:t>vehicle_claim</a:t>
-            </a:r>
-            <a:r>
-              <a:rPr kumimoji="0" lang="en-US" altLang="en-US" sz="1500" b="0" i="0" u="none" strike="noStrike" cap="none" normalizeH="0" baseline="0" dirty="0">
-                <a:ln>
-                  <a:noFill/>
-                </a:ln>
-                <a:solidFill>
-                  <a:schemeClr val="bg1"/>
-                </a:solidFill>
-                <a:effectLst/>
-                <a:latin typeface="Calibri" panose="020F0502020204030204" pitchFamily="34" charset="0"/>
-                <a:cs typeface="Calibri" panose="020F0502020204030204" pitchFamily="34" charset="0"/>
-              </a:rPr>
-              <a:t> (0.98)</a:t>
-            </a:r>
-          </a:p>
-          <a:p>
-            <a:pPr marL="457200" marR="0" lvl="1" indent="0" algn="l" defTabSz="914400" rtl="0" eaLnBrk="0" fontAlgn="base" latinLnBrk="0" hangingPunct="0">
-              <a:lnSpc>
-                <a:spcPct val="100000"/>
-              </a:lnSpc>
-              <a:spcBef>
-                <a:spcPct val="0"/>
-              </a:spcBef>
-              <a:spcAft>
-                <a:spcPct val="0"/>
-              </a:spcAft>
-              <a:buClrTx/>
-              <a:buSzTx/>
-              <a:buFontTx/>
-              <a:buChar char="•"/>
-              <a:tabLst/>
-            </a:pPr>
-            <a:r>
-              <a:rPr kumimoji="0" lang="en-US" altLang="en-US" sz="1500" b="0" i="0" u="none" strike="noStrike" cap="none" normalizeH="0" baseline="0" dirty="0">
-                <a:ln>
-                  <a:noFill/>
-                </a:ln>
-                <a:solidFill>
-                  <a:schemeClr val="bg1"/>
-                </a:solidFill>
-                <a:effectLst/>
-                <a:latin typeface="Calibri" panose="020F0502020204030204" pitchFamily="34" charset="0"/>
-                <a:cs typeface="Calibri" panose="020F0502020204030204" pitchFamily="34" charset="0"/>
-              </a:rPr>
-              <a:t>This indicates that </a:t>
-            </a:r>
-            <a:r>
-              <a:rPr kumimoji="0" lang="en-US" altLang="en-US" sz="1500" b="0" i="0" u="none" strike="noStrike" cap="none" normalizeH="0" baseline="0" dirty="0" err="1">
-                <a:ln>
-                  <a:noFill/>
-                </a:ln>
-                <a:solidFill>
-                  <a:schemeClr val="bg1"/>
-                </a:solidFill>
-                <a:effectLst/>
-                <a:latin typeface="Calibri" panose="020F0502020204030204" pitchFamily="34" charset="0"/>
-                <a:cs typeface="Calibri" panose="020F0502020204030204" pitchFamily="34" charset="0"/>
-              </a:rPr>
-              <a:t>total_claim_amount</a:t>
-            </a:r>
-            <a:r>
-              <a:rPr kumimoji="0" lang="en-US" altLang="en-US" sz="1500" b="0" i="0" u="none" strike="noStrike" cap="none" normalizeH="0" baseline="0" dirty="0">
-                <a:ln>
-                  <a:noFill/>
-                </a:ln>
-                <a:solidFill>
-                  <a:schemeClr val="bg1"/>
-                </a:solidFill>
-                <a:effectLst/>
-                <a:latin typeface="Calibri" panose="020F0502020204030204" pitchFamily="34" charset="0"/>
-                <a:cs typeface="Calibri" panose="020F0502020204030204" pitchFamily="34" charset="0"/>
-              </a:rPr>
-              <a:t> is largely composed of these three component claims, as expected.</a:t>
-            </a:r>
-          </a:p>
-          <a:p>
-            <a:pPr marL="0" marR="0" lvl="0" indent="0" algn="l" defTabSz="914400" rtl="0" eaLnBrk="0" fontAlgn="base" latinLnBrk="0" hangingPunct="0">
-              <a:lnSpc>
-                <a:spcPct val="100000"/>
-              </a:lnSpc>
-              <a:spcBef>
-                <a:spcPct val="0"/>
-              </a:spcBef>
-              <a:spcAft>
-                <a:spcPct val="0"/>
-              </a:spcAft>
-              <a:buClrTx/>
-              <a:buSzTx/>
-              <a:buFontTx/>
-              <a:buChar char="•"/>
-              <a:tabLst/>
-            </a:pPr>
-            <a:r>
-              <a:rPr kumimoji="0" lang="en-US" altLang="en-US" sz="1500" b="1" i="0" u="none" strike="noStrike" cap="none" normalizeH="0" baseline="0" dirty="0">
-                <a:ln>
-                  <a:noFill/>
-                </a:ln>
-                <a:solidFill>
-                  <a:schemeClr val="bg1"/>
-                </a:solidFill>
-                <a:effectLst/>
-                <a:latin typeface="Calibri" panose="020F0502020204030204" pitchFamily="34" charset="0"/>
-                <a:cs typeface="Calibri" panose="020F0502020204030204" pitchFamily="34" charset="0"/>
-              </a:rPr>
-              <a:t>Multicollinearity Alert</a:t>
-            </a:r>
-            <a:r>
-              <a:rPr kumimoji="0" lang="en-US" altLang="en-US" sz="1500" b="0" i="0" u="none" strike="noStrike" cap="none" normalizeH="0" baseline="0" dirty="0">
-                <a:ln>
-                  <a:noFill/>
-                </a:ln>
-                <a:solidFill>
-                  <a:schemeClr val="bg1"/>
-                </a:solidFill>
-                <a:effectLst/>
-                <a:latin typeface="Calibri" panose="020F0502020204030204" pitchFamily="34" charset="0"/>
-                <a:cs typeface="Calibri" panose="020F0502020204030204" pitchFamily="34" charset="0"/>
-              </a:rPr>
-              <a:t>:</a:t>
-            </a:r>
-          </a:p>
-          <a:p>
-            <a:pPr marL="457200" marR="0" lvl="1" indent="0" algn="l" defTabSz="914400" rtl="0" eaLnBrk="0" fontAlgn="base" latinLnBrk="0" hangingPunct="0">
-              <a:lnSpc>
-                <a:spcPct val="100000"/>
-              </a:lnSpc>
-              <a:spcBef>
-                <a:spcPct val="0"/>
-              </a:spcBef>
-              <a:spcAft>
-                <a:spcPct val="0"/>
-              </a:spcAft>
-              <a:buClrTx/>
-              <a:buSzTx/>
-              <a:buFontTx/>
-              <a:buChar char="•"/>
-              <a:tabLst/>
-            </a:pPr>
-            <a:r>
-              <a:rPr kumimoji="0" lang="en-US" altLang="en-US" sz="1500" b="0" i="0" u="none" strike="noStrike" cap="none" normalizeH="0" baseline="0" dirty="0" err="1">
-                <a:ln>
-                  <a:noFill/>
-                </a:ln>
-                <a:solidFill>
-                  <a:schemeClr val="bg1"/>
-                </a:solidFill>
-                <a:effectLst/>
-                <a:latin typeface="Calibri" panose="020F0502020204030204" pitchFamily="34" charset="0"/>
-                <a:cs typeface="Calibri" panose="020F0502020204030204" pitchFamily="34" charset="0"/>
-              </a:rPr>
-              <a:t>months_as_customer</a:t>
-            </a:r>
-            <a:r>
-              <a:rPr kumimoji="0" lang="en-US" altLang="en-US" sz="1500" b="0" i="0" u="none" strike="noStrike" cap="none" normalizeH="0" baseline="0" dirty="0">
-                <a:ln>
-                  <a:noFill/>
-                </a:ln>
-                <a:solidFill>
-                  <a:schemeClr val="bg1"/>
-                </a:solidFill>
-                <a:effectLst/>
-                <a:latin typeface="Calibri" panose="020F0502020204030204" pitchFamily="34" charset="0"/>
-                <a:cs typeface="Calibri" panose="020F0502020204030204" pitchFamily="34" charset="0"/>
-              </a:rPr>
-              <a:t> and age are </a:t>
-            </a:r>
-            <a:r>
-              <a:rPr kumimoji="0" lang="en-US" altLang="en-US" sz="1500" b="1" i="0" u="none" strike="noStrike" cap="none" normalizeH="0" baseline="0" dirty="0">
-                <a:ln>
-                  <a:noFill/>
-                </a:ln>
-                <a:solidFill>
-                  <a:schemeClr val="bg1"/>
-                </a:solidFill>
-                <a:effectLst/>
-                <a:latin typeface="Calibri" panose="020F0502020204030204" pitchFamily="34" charset="0"/>
-                <a:cs typeface="Calibri" panose="020F0502020204030204" pitchFamily="34" charset="0"/>
-              </a:rPr>
-              <a:t>very highly correlated</a:t>
-            </a:r>
-            <a:r>
-              <a:rPr kumimoji="0" lang="en-US" altLang="en-US" sz="1500" b="0" i="0" u="none" strike="noStrike" cap="none" normalizeH="0" baseline="0" dirty="0">
-                <a:ln>
-                  <a:noFill/>
-                </a:ln>
-                <a:solidFill>
-                  <a:schemeClr val="bg1"/>
-                </a:solidFill>
-                <a:effectLst/>
-                <a:latin typeface="Calibri" panose="020F0502020204030204" pitchFamily="34" charset="0"/>
-                <a:cs typeface="Calibri" panose="020F0502020204030204" pitchFamily="34" charset="0"/>
-              </a:rPr>
-              <a:t> (0.92). This suggests that older customers tend to have been with the company longer. Consider dropping one of them to avoid multicollinearity in models.</a:t>
-            </a:r>
-          </a:p>
-          <a:p>
-            <a:pPr marL="0" marR="0" lvl="0" indent="0" algn="l" defTabSz="914400" rtl="0" eaLnBrk="0" fontAlgn="base" latinLnBrk="0" hangingPunct="0">
-              <a:lnSpc>
-                <a:spcPct val="100000"/>
-              </a:lnSpc>
-              <a:spcBef>
-                <a:spcPct val="0"/>
-              </a:spcBef>
-              <a:spcAft>
-                <a:spcPct val="0"/>
-              </a:spcAft>
-              <a:buClrTx/>
-              <a:buSzTx/>
-              <a:buFontTx/>
-              <a:buNone/>
-              <a:tabLst/>
-            </a:pPr>
-            <a:endParaRPr kumimoji="0" lang="en-US" altLang="en-US" sz="1800" b="0" i="0" u="none" strike="noStrike" cap="none" normalizeH="0" baseline="0" dirty="0">
-              <a:ln>
-                <a:noFill/>
-              </a:ln>
-              <a:solidFill>
-                <a:schemeClr val="tx1"/>
-              </a:solidFill>
-              <a:effectLst/>
-              <a:latin typeface="Arial" panose="020B0604020202020204" pitchFamily="34" charset="0"/>
-            </a:endParaRPr>
-          </a:p>
-        </p:txBody>
-      </p:sp>
-    </p:spTree>
-    <p:extLst>
-      <p:ext uri="{BB962C8B-B14F-4D97-AF65-F5344CB8AC3E}">
-        <p14:creationId xmlns:p14="http://schemas.microsoft.com/office/powerpoint/2010/main" val="3153686339"/>
-      </p:ext>
-    </p:extLst>
-  </p:cSld>
-  <p:clrMapOvr>
-    <a:masterClrMapping/>
-  </p:clrMapOvr>
-</p:sld>
-</file>
-
-<file path=ppt/slides/slide11.xml><?xml version="1.0" encoding="utf-8"?>
-<p:sld xmlns:a="http://schemas.openxmlformats.org/drawingml/2006/main" xmlns:r="http://schemas.openxmlformats.org/officeDocument/2006/relationships" xmlns:p="http://schemas.openxmlformats.org/presentationml/2006/main">
-  <p:cSld>
-    <p:bg>
-      <p:bgPr>
-        <a:solidFill>
-          <a:schemeClr val="bg1"/>
-        </a:solidFill>
-        <a:effectLst/>
-      </p:bgPr>
-    </p:bg>
-    <p:spTree>
-      <p:nvGrpSpPr>
-        <p:cNvPr id="1" name=""/>
-        <p:cNvGrpSpPr/>
-        <p:nvPr/>
-      </p:nvGrpSpPr>
-      <p:grpSpPr>
-        <a:xfrm>
-          <a:off x="0" y="0"/>
-          <a:ext cx="0" cy="0"/>
-          <a:chOff x="0" y="0"/>
-          <a:chExt cx="0" cy="0"/>
-        </a:xfrm>
-      </p:grpSpPr>
-      <p:sp>
-        <p:nvSpPr>
-          <p:cNvPr id="24" name="Freeform 6">
-            <a:extLst>
-              <a:ext uri="{FF2B5EF4-FFF2-40B4-BE49-F238E27FC236}">
-                <a16:creationId xmlns:a16="http://schemas.microsoft.com/office/drawing/2014/main" id="{8775F366-526C-4C42-8931-696FFE8AA517}"/>
-              </a:ext>
-              <a:ext uri="{C183D7F6-B498-43B3-948B-1728B52AA6E4}">
-                <adec:decorative xmlns:adec="http://schemas.microsoft.com/office/drawing/2017/decorative" val="1"/>
-              </a:ext>
-            </a:extLst>
-          </p:cNvPr>
-          <p:cNvSpPr>
-            <a:spLocks noGrp="1" noRot="1" noChangeAspect="1" noMove="1" noResize="1" noEditPoints="1" noAdjustHandles="1" noChangeArrowheads="1" noChangeShapeType="1" noTextEdit="1"/>
-          </p:cNvSpPr>
-          <p:nvPr>
-            <p:extLst>
-              <p:ext uri="{386F3935-93C4-4BCD-93E2-E3B085C9AB24}">
-                <p16:designElem xmlns:p16="http://schemas.microsoft.com/office/powerpoint/2015/main" val="1"/>
-              </p:ext>
-            </p:extLst>
-          </p:nvPr>
-        </p:nvSpPr>
-        <p:spPr bwMode="auto">
-          <a:xfrm>
-            <a:off x="0" y="-3175"/>
-            <a:ext cx="12192000" cy="5203825"/>
-          </a:xfrm>
-          <a:custGeom>
-            <a:avLst/>
-            <a:gdLst/>
-            <a:ahLst/>
-            <a:cxnLst/>
-            <a:rect l="0" t="0" r="r" b="b"/>
-            <a:pathLst>
-              <a:path w="5760" h="3278">
-                <a:moveTo>
-                  <a:pt x="5760" y="0"/>
-                </a:moveTo>
-                <a:lnTo>
-                  <a:pt x="0" y="0"/>
-                </a:lnTo>
-                <a:lnTo>
-                  <a:pt x="0" y="3090"/>
-                </a:lnTo>
-                <a:lnTo>
-                  <a:pt x="943" y="3090"/>
-                </a:lnTo>
-                <a:lnTo>
-                  <a:pt x="1123" y="3270"/>
-                </a:lnTo>
-                <a:lnTo>
-                  <a:pt x="1123" y="3270"/>
-                </a:lnTo>
-                <a:lnTo>
-                  <a:pt x="1127" y="3272"/>
-                </a:lnTo>
-                <a:lnTo>
-                  <a:pt x="1133" y="3275"/>
-                </a:lnTo>
-                <a:lnTo>
-                  <a:pt x="1139" y="3278"/>
-                </a:lnTo>
-                <a:lnTo>
-                  <a:pt x="1144" y="3278"/>
-                </a:lnTo>
-                <a:lnTo>
-                  <a:pt x="1150" y="3278"/>
-                </a:lnTo>
-                <a:lnTo>
-                  <a:pt x="1155" y="3275"/>
-                </a:lnTo>
-                <a:lnTo>
-                  <a:pt x="1161" y="3272"/>
-                </a:lnTo>
-                <a:lnTo>
-                  <a:pt x="1165" y="3270"/>
-                </a:lnTo>
-                <a:lnTo>
-                  <a:pt x="1345" y="3090"/>
-                </a:lnTo>
-                <a:lnTo>
-                  <a:pt x="5760" y="3090"/>
-                </a:lnTo>
-                <a:lnTo>
-                  <a:pt x="5760" y="0"/>
-                </a:lnTo>
-                <a:close/>
-              </a:path>
-            </a:pathLst>
-          </a:custGeom>
-          <a:ln/>
-          <a:effectLst/>
-          <a:extLst>
-            <a:ext uri="{91240B29-F687-4f45-9708-019B960494DF}">
-              <a14:hiddenLine xmlns:a16="http://schemas.microsoft.com/office/drawing/2014/main" xmlns:a14="http://schemas.microsoft.com/office/drawing/2010/main" xmlns="" w="9525">
-                <a:solidFill>
-                  <a:srgbClr val="000000"/>
-                </a:solidFill>
-                <a:round/>
-                <a:headEnd/>
-                <a:tailEnd/>
-              </a14:hiddenLine>
-            </a:ext>
-          </a:extLst>
-        </p:spPr>
-        <p:style>
-          <a:lnRef idx="1">
-            <a:schemeClr val="accent1"/>
-          </a:lnRef>
-          <a:fillRef idx="3">
-            <a:schemeClr val="accent1"/>
-          </a:fillRef>
-          <a:effectRef idx="2">
-            <a:schemeClr val="accent1"/>
-          </a:effectRef>
-          <a:fontRef idx="minor">
-            <a:schemeClr val="lt1"/>
-          </a:fontRef>
-        </p:style>
-        <p:txBody>
-          <a:bodyPr/>
-          <a:lstStyle/>
-          <a:p>
-            <a:endParaRPr lang="en-US"/>
-          </a:p>
-        </p:txBody>
-      </p:sp>
-      <p:sp useBgFill="1">
-        <p:nvSpPr>
-          <p:cNvPr id="26" name="Rectangle 25">
-            <a:extLst>
-              <a:ext uri="{FF2B5EF4-FFF2-40B4-BE49-F238E27FC236}">
-                <a16:creationId xmlns:a16="http://schemas.microsoft.com/office/drawing/2014/main" id="{597EA66B-2AAB-42B0-9F9D-38920D8D82D7}"/>
-              </a:ext>
-              <a:ext uri="{C183D7F6-B498-43B3-948B-1728B52AA6E4}">
-                <adec:decorative xmlns:adec="http://schemas.microsoft.com/office/drawing/2017/decorative" val="1"/>
-              </a:ext>
-            </a:extLst>
-          </p:cNvPr>
-          <p:cNvSpPr>
-            <a:spLocks noGrp="1" noRot="1" noChangeAspect="1" noMove="1" noResize="1" noEditPoints="1" noAdjustHandles="1" noChangeArrowheads="1" noChangeShapeType="1" noTextEdit="1"/>
-          </p:cNvSpPr>
-          <p:nvPr>
-            <p:extLst>
-              <p:ext uri="{386F3935-93C4-4BCD-93E2-E3B085C9AB24}">
-                <p16:designElem xmlns:p16="http://schemas.microsoft.com/office/powerpoint/2015/main" val="1"/>
-              </p:ext>
-            </p:extLst>
-          </p:nvPr>
-        </p:nvSpPr>
-        <p:spPr>
-          <a:xfrm>
-            <a:off x="0" y="0"/>
-            <a:ext cx="12192000" cy="6858000"/>
-          </a:xfrm>
-          <a:prstGeom prst="rect">
-            <a:avLst/>
-          </a:prstGeom>
-          <a:ln>
-            <a:noFill/>
-          </a:ln>
-        </p:spPr>
-        <p:style>
-          <a:lnRef idx="2">
-            <a:schemeClr val="accent1">
-              <a:shade val="50000"/>
-            </a:schemeClr>
-          </a:lnRef>
-          <a:fillRef idx="1">
-            <a:schemeClr val="accent1"/>
-          </a:fillRef>
-          <a:effectRef idx="0">
-            <a:schemeClr val="accent1"/>
-          </a:effectRef>
-          <a:fontRef idx="minor">
-            <a:schemeClr val="lt1"/>
-          </a:fontRef>
-        </p:style>
-        <p:txBody>
-          <a:bodyPr rtlCol="0" anchor="ctr"/>
-          <a:lstStyle/>
-          <a:p>
-            <a:pPr algn="ctr"/>
-            <a:endParaRPr lang="en-US"/>
-          </a:p>
-        </p:txBody>
-      </p:sp>
-      <p:sp>
-        <p:nvSpPr>
-          <p:cNvPr id="5" name="Title 4">
-            <a:extLst>
-              <a:ext uri="{FF2B5EF4-FFF2-40B4-BE49-F238E27FC236}">
-                <a16:creationId xmlns:a16="http://schemas.microsoft.com/office/drawing/2014/main" id="{AC9F6FE9-05A2-425C-9D32-82BD222F6B54}"/>
-              </a:ext>
-            </a:extLst>
-          </p:cNvPr>
-          <p:cNvSpPr>
-            <a:spLocks noGrp="1"/>
-          </p:cNvSpPr>
-          <p:nvPr>
-            <p:ph type="title"/>
-          </p:nvPr>
-        </p:nvSpPr>
-        <p:spPr>
-          <a:xfrm>
-            <a:off x="965199" y="885433"/>
-            <a:ext cx="10261602" cy="3022257"/>
-          </a:xfrm>
-          <a:effectLst/>
-        </p:spPr>
-        <p:txBody>
-          <a:bodyPr vert="horz" lIns="91440" tIns="45720" rIns="91440" bIns="45720" rtlCol="0" anchor="b">
-            <a:normAutofit/>
-          </a:bodyPr>
-          <a:lstStyle/>
-          <a:p>
-            <a:pPr algn="ctr"/>
-            <a:r>
-              <a:rPr lang="en-US" sz="7200">
-                <a:solidFill>
-                  <a:schemeClr val="tx1"/>
-                </a:solidFill>
-              </a:rPr>
-              <a:t>Models and Approaches</a:t>
-            </a:r>
-          </a:p>
-        </p:txBody>
-      </p:sp>
-      <p:sp>
-        <p:nvSpPr>
-          <p:cNvPr id="28" name="Freeform: Shape 27">
-            <a:extLst>
-              <a:ext uri="{FF2B5EF4-FFF2-40B4-BE49-F238E27FC236}">
-                <a16:creationId xmlns:a16="http://schemas.microsoft.com/office/drawing/2014/main" id="{D360EBE3-31BB-422F-AA87-FA3873DAE484}"/>
-              </a:ext>
-              <a:ext uri="{C183D7F6-B498-43B3-948B-1728B52AA6E4}">
-                <adec:decorative xmlns:adec="http://schemas.microsoft.com/office/drawing/2017/decorative" val="1"/>
-              </a:ext>
-            </a:extLst>
-          </p:cNvPr>
-          <p:cNvSpPr>
-            <a:spLocks noGrp="1" noRot="1" noChangeAspect="1" noMove="1" noResize="1" noEditPoints="1" noAdjustHandles="1" noChangeArrowheads="1" noChangeShapeType="1" noTextEdit="1"/>
-          </p:cNvSpPr>
-          <p:nvPr>
-            <p:extLst>
-              <p:ext uri="{386F3935-93C4-4BCD-93E2-E3B085C9AB24}">
-                <p16:designElem xmlns:p16="http://schemas.microsoft.com/office/powerpoint/2015/main" val="1"/>
-              </p:ext>
-            </p:extLst>
-          </p:nvPr>
-        </p:nvSpPr>
-        <p:spPr bwMode="auto">
-          <a:xfrm rot="10800000">
-            <a:off x="0" y="5388384"/>
-            <a:ext cx="12192000" cy="1469616"/>
-          </a:xfrm>
-          <a:custGeom>
-            <a:avLst/>
-            <a:gdLst>
-              <a:gd name="connsiteX0" fmla="*/ 6113881 w 12192000"/>
-              <a:gd name="connsiteY0" fmla="*/ 1469616 h 1469616"/>
-              <a:gd name="connsiteX1" fmla="*/ 6101181 w 12192000"/>
-              <a:gd name="connsiteY1" fmla="*/ 1469616 h 1469616"/>
-              <a:gd name="connsiteX2" fmla="*/ 6090598 w 12192000"/>
-              <a:gd name="connsiteY2" fmla="*/ 1469616 h 1469616"/>
-              <a:gd name="connsiteX3" fmla="*/ 6077897 w 12192000"/>
-              <a:gd name="connsiteY3" fmla="*/ 1464854 h 1469616"/>
-              <a:gd name="connsiteX4" fmla="*/ 6065198 w 12192000"/>
-              <a:gd name="connsiteY4" fmla="*/ 1460091 h 1469616"/>
-              <a:gd name="connsiteX5" fmla="*/ 6056731 w 12192000"/>
-              <a:gd name="connsiteY5" fmla="*/ 1456916 h 1469616"/>
-              <a:gd name="connsiteX6" fmla="*/ 5678033 w 12192000"/>
-              <a:gd name="connsiteY6" fmla="*/ 1172892 h 1469616"/>
-              <a:gd name="connsiteX7" fmla="*/ 0 w 12192000"/>
-              <a:gd name="connsiteY7" fmla="*/ 1172892 h 1469616"/>
-              <a:gd name="connsiteX8" fmla="*/ 0 w 12192000"/>
-              <a:gd name="connsiteY8" fmla="*/ 1162370 h 1469616"/>
-              <a:gd name="connsiteX9" fmla="*/ 0 w 12192000"/>
-              <a:gd name="connsiteY9" fmla="*/ 403347 h 1469616"/>
-              <a:gd name="connsiteX10" fmla="*/ 0 w 12192000"/>
-              <a:gd name="connsiteY10" fmla="*/ 0 h 1469616"/>
-              <a:gd name="connsiteX11" fmla="*/ 12192000 w 12192000"/>
-              <a:gd name="connsiteY11" fmla="*/ 0 h 1469616"/>
-              <a:gd name="connsiteX12" fmla="*/ 12192000 w 12192000"/>
-              <a:gd name="connsiteY12" fmla="*/ 403347 h 1469616"/>
-              <a:gd name="connsiteX13" fmla="*/ 12192000 w 12192000"/>
-              <a:gd name="connsiteY13" fmla="*/ 1162370 h 1469616"/>
-              <a:gd name="connsiteX14" fmla="*/ 12192000 w 12192000"/>
-              <a:gd name="connsiteY14" fmla="*/ 1172892 h 1469616"/>
-              <a:gd name="connsiteX15" fmla="*/ 6524330 w 12192000"/>
-              <a:gd name="connsiteY15" fmla="*/ 1172892 h 1469616"/>
-              <a:gd name="connsiteX16" fmla="*/ 6145631 w 12192000"/>
-              <a:gd name="connsiteY16" fmla="*/ 1456916 h 1469616"/>
-              <a:gd name="connsiteX17" fmla="*/ 6137163 w 12192000"/>
-              <a:gd name="connsiteY17" fmla="*/ 1460091 h 1469616"/>
-              <a:gd name="connsiteX18" fmla="*/ 6124463 w 12192000"/>
-              <a:gd name="connsiteY18" fmla="*/ 1464854 h 1469616"/>
-            </a:gdLst>
-            <a:ahLst/>
-            <a:cxnLst>
-              <a:cxn ang="0">
-                <a:pos x="connsiteX0" y="connsiteY0"/>
-              </a:cxn>
-              <a:cxn ang="0">
-                <a:pos x="connsiteX1" y="connsiteY1"/>
-              </a:cxn>
-              <a:cxn ang="0">
-                <a:pos x="connsiteX2" y="connsiteY2"/>
-              </a:cxn>
-              <a:cxn ang="0">
-                <a:pos x="connsiteX3" y="connsiteY3"/>
-              </a:cxn>
-              <a:cxn ang="0">
-                <a:pos x="connsiteX4" y="connsiteY4"/>
-              </a:cxn>
-              <a:cxn ang="0">
-                <a:pos x="connsiteX5" y="connsiteY5"/>
-              </a:cxn>
-              <a:cxn ang="0">
-                <a:pos x="connsiteX6" y="connsiteY6"/>
-              </a:cxn>
-              <a:cxn ang="0">
-                <a:pos x="connsiteX7" y="connsiteY7"/>
-              </a:cxn>
-              <a:cxn ang="0">
-                <a:pos x="connsiteX8" y="connsiteY8"/>
-              </a:cxn>
-              <a:cxn ang="0">
-                <a:pos x="connsiteX9" y="connsiteY9"/>
-              </a:cxn>
-              <a:cxn ang="0">
-                <a:pos x="connsiteX10" y="connsiteY10"/>
-              </a:cxn>
-              <a:cxn ang="0">
-                <a:pos x="connsiteX11" y="connsiteY11"/>
-              </a:cxn>
-              <a:cxn ang="0">
-                <a:pos x="connsiteX12" y="connsiteY12"/>
-              </a:cxn>
-              <a:cxn ang="0">
-                <a:pos x="connsiteX13" y="connsiteY13"/>
-              </a:cxn>
-              <a:cxn ang="0">
-                <a:pos x="connsiteX14" y="connsiteY14"/>
-              </a:cxn>
-              <a:cxn ang="0">
-                <a:pos x="connsiteX15" y="connsiteY15"/>
-              </a:cxn>
-              <a:cxn ang="0">
-                <a:pos x="connsiteX16" y="connsiteY16"/>
-              </a:cxn>
-              <a:cxn ang="0">
-                <a:pos x="connsiteX17" y="connsiteY17"/>
-              </a:cxn>
-              <a:cxn ang="0">
-                <a:pos x="connsiteX18" y="connsiteY18"/>
-              </a:cxn>
-            </a:cxnLst>
-            <a:rect l="l" t="t" r="r" b="b"/>
-            <a:pathLst>
-              <a:path w="12192000" h="1469616">
-                <a:moveTo>
-                  <a:pt x="6113881" y="1469616"/>
-                </a:moveTo>
-                <a:lnTo>
-                  <a:pt x="6101181" y="1469616"/>
-                </a:lnTo>
-                <a:lnTo>
-                  <a:pt x="6090598" y="1469616"/>
-                </a:lnTo>
-                <a:lnTo>
-                  <a:pt x="6077897" y="1464854"/>
-                </a:lnTo>
-                <a:lnTo>
-                  <a:pt x="6065198" y="1460091"/>
-                </a:lnTo>
-                <a:lnTo>
-                  <a:pt x="6056731" y="1456916"/>
-                </a:lnTo>
-                <a:lnTo>
-                  <a:pt x="5678033" y="1172892"/>
-                </a:lnTo>
-                <a:lnTo>
-                  <a:pt x="0" y="1172892"/>
-                </a:lnTo>
-                <a:lnTo>
-                  <a:pt x="0" y="1162370"/>
-                </a:lnTo>
-                <a:lnTo>
-                  <a:pt x="0" y="403347"/>
-                </a:lnTo>
-                <a:lnTo>
-                  <a:pt x="0" y="0"/>
-                </a:lnTo>
-                <a:lnTo>
-                  <a:pt x="12192000" y="0"/>
-                </a:lnTo>
-                <a:lnTo>
-                  <a:pt x="12192000" y="403347"/>
-                </a:lnTo>
-                <a:lnTo>
-                  <a:pt x="12192000" y="1162370"/>
-                </a:lnTo>
-                <a:lnTo>
-                  <a:pt x="12192000" y="1172892"/>
-                </a:lnTo>
-                <a:lnTo>
-                  <a:pt x="6524330" y="1172892"/>
-                </a:lnTo>
-                <a:lnTo>
-                  <a:pt x="6145631" y="1456916"/>
-                </a:lnTo>
-                <a:lnTo>
-                  <a:pt x="6137163" y="1460091"/>
-                </a:lnTo>
-                <a:lnTo>
-                  <a:pt x="6124463" y="1464854"/>
-                </a:lnTo>
-                <a:close/>
-              </a:path>
-            </a:pathLst>
-          </a:custGeom>
-          <a:ln>
-            <a:noFill/>
-          </a:ln>
-          <a:effectLst/>
-          <a:extLst>
-            <a:ext uri="{91240B29-F687-4f45-9708-019B960494DF}">
-              <a14:hiddenLine xmlns:a14="http://schemas.microsoft.com/office/drawing/2010/main" xmlns:p14="http://schemas.microsoft.com/office/powerpoint/2010/main" xmlns:a16="http://schemas.microsoft.com/office/drawing/2014/main" xmlns="" w="9525">
-                <a:solidFill>
-                  <a:srgbClr val="000000"/>
-                </a:solidFill>
-                <a:round/>
-                <a:headEnd/>
-                <a:tailEnd/>
-              </a14:hiddenLine>
-            </a:ext>
-          </a:extLst>
-        </p:spPr>
-        <p:style>
-          <a:lnRef idx="1">
-            <a:schemeClr val="accent1"/>
-          </a:lnRef>
-          <a:fillRef idx="3">
-            <a:schemeClr val="accent1"/>
-          </a:fillRef>
-          <a:effectRef idx="2">
-            <a:schemeClr val="accent1"/>
-          </a:effectRef>
-          <a:fontRef idx="minor">
-            <a:schemeClr val="lt1"/>
-          </a:fontRef>
-        </p:style>
-        <p:txBody>
-          <a:bodyPr/>
-          <a:lstStyle/>
-          <a:p>
-            <a:endParaRPr lang="en-US"/>
-          </a:p>
-        </p:txBody>
-      </p:sp>
-    </p:spTree>
-    <p:extLst>
-      <p:ext uri="{BB962C8B-B14F-4D97-AF65-F5344CB8AC3E}">
-        <p14:creationId xmlns:p14="http://schemas.microsoft.com/office/powerpoint/2010/main" val="867018752"/>
-      </p:ext>
-    </p:extLst>
-  </p:cSld>
-  <p:clrMapOvr>
-    <a:overrideClrMapping bg1="lt1" tx1="dk1" bg2="lt2" tx2="dk2" accent1="accent1" accent2="accent2" accent3="accent3" accent4="accent4" accent5="accent5" accent6="accent6" hlink="hlink" folHlink="folHlink"/>
-  </p:clrMapOvr>
-</p:sld>
-</file>
-
-<file path=ppt/slides/slide12.xml><?xml version="1.0" encoding="utf-8"?>
-<p:sld xmlns:a="http://schemas.openxmlformats.org/drawingml/2006/main" xmlns:r="http://schemas.openxmlformats.org/officeDocument/2006/relationships" xmlns:p="http://schemas.openxmlformats.org/presentationml/2006/main">
-  <p:cSld>
-    <p:bg>
-      <p:bgPr>
-        <a:solidFill>
-          <a:schemeClr val="bg1"/>
-        </a:solidFill>
-        <a:effectLst/>
-      </p:bgPr>
-    </p:bg>
-    <p:spTree>
-      <p:nvGrpSpPr>
-        <p:cNvPr id="1" name=""/>
-        <p:cNvGrpSpPr/>
-        <p:nvPr/>
-      </p:nvGrpSpPr>
-      <p:grpSpPr>
-        <a:xfrm>
-          <a:off x="0" y="0"/>
-          <a:ext cx="0" cy="0"/>
-          <a:chOff x="0" y="0"/>
-          <a:chExt cx="0" cy="0"/>
-        </a:xfrm>
-      </p:grpSpPr>
-      <p:sp useBgFill="1">
-        <p:nvSpPr>
-          <p:cNvPr id="10" name="Rectangle 9">
-            <a:extLst>
-              <a:ext uri="{FF2B5EF4-FFF2-40B4-BE49-F238E27FC236}">
-                <a16:creationId xmlns:a16="http://schemas.microsoft.com/office/drawing/2014/main" id="{F1E0D4A3-ECB8-4689-ABDB-9CE848CE83B9}"/>
-              </a:ext>
-              <a:ext uri="{C183D7F6-B498-43B3-948B-1728B52AA6E4}">
-                <adec:decorative xmlns:adec="http://schemas.microsoft.com/office/drawing/2017/decorative" val="1"/>
-              </a:ext>
-            </a:extLst>
-          </p:cNvPr>
-          <p:cNvSpPr>
-            <a:spLocks noGrp="1" noRot="1" noChangeAspect="1" noMove="1" noResize="1" noEditPoints="1" noAdjustHandles="1" noChangeArrowheads="1" noChangeShapeType="1" noTextEdit="1"/>
-          </p:cNvSpPr>
-          <p:nvPr>
-            <p:extLst>
-              <p:ext uri="{386F3935-93C4-4BCD-93E2-E3B085C9AB24}">
-                <p16:designElem xmlns:p16="http://schemas.microsoft.com/office/powerpoint/2015/main" val="1"/>
-              </p:ext>
-            </p:extLst>
-          </p:nvPr>
-        </p:nvSpPr>
-        <p:spPr>
-          <a:xfrm>
-            <a:off x="0" y="0"/>
-            <a:ext cx="12192000" cy="6858000"/>
-          </a:xfrm>
-          <a:prstGeom prst="rect">
-            <a:avLst/>
-          </a:prstGeom>
-          <a:ln>
-            <a:noFill/>
-          </a:ln>
-        </p:spPr>
-        <p:style>
-          <a:lnRef idx="2">
-            <a:schemeClr val="accent1">
-              <a:shade val="50000"/>
-            </a:schemeClr>
-          </a:lnRef>
-          <a:fillRef idx="1">
-            <a:schemeClr val="accent1"/>
-          </a:fillRef>
-          <a:effectRef idx="0">
-            <a:schemeClr val="accent1"/>
-          </a:effectRef>
-          <a:fontRef idx="minor">
-            <a:schemeClr val="lt1"/>
-          </a:fontRef>
-        </p:style>
-        <p:txBody>
-          <a:bodyPr rtlCol="0" anchor="ctr"/>
-          <a:lstStyle/>
-          <a:p>
-            <a:pPr algn="ctr"/>
-            <a:endParaRPr lang="en-US"/>
-          </a:p>
-        </p:txBody>
-      </p:sp>
-      <p:sp>
-        <p:nvSpPr>
-          <p:cNvPr id="4" name="Title 3">
-            <a:extLst>
-              <a:ext uri="{FF2B5EF4-FFF2-40B4-BE49-F238E27FC236}">
-                <a16:creationId xmlns:a16="http://schemas.microsoft.com/office/drawing/2014/main" id="{8DACB20C-0AEB-46E7-B553-6BD8134E4216}"/>
-              </a:ext>
-            </a:extLst>
-          </p:cNvPr>
-          <p:cNvSpPr>
-            <a:spLocks noGrp="1"/>
-          </p:cNvSpPr>
-          <p:nvPr>
-            <p:ph type="title"/>
-          </p:nvPr>
-        </p:nvSpPr>
-        <p:spPr>
-          <a:xfrm>
-            <a:off x="810000" y="447188"/>
-            <a:ext cx="10571998" cy="970450"/>
-          </a:xfrm>
-          <a:effectLst/>
-        </p:spPr>
-        <p:txBody>
-          <a:bodyPr anchor="ctr">
-            <a:normAutofit/>
-          </a:bodyPr>
-          <a:lstStyle/>
-          <a:p>
-            <a:pPr algn="ctr"/>
-            <a:r>
-              <a:rPr lang="en-IN" sz="2800">
-                <a:solidFill>
-                  <a:schemeClr val="tx1"/>
-                </a:solidFill>
-              </a:rPr>
-              <a:t>Models Used</a:t>
-            </a:r>
-          </a:p>
-        </p:txBody>
-      </p:sp>
-      <p:sp>
-        <p:nvSpPr>
-          <p:cNvPr id="12" name="Freeform: Shape 11">
-            <a:extLst>
-              <a:ext uri="{FF2B5EF4-FFF2-40B4-BE49-F238E27FC236}">
-                <a16:creationId xmlns:a16="http://schemas.microsoft.com/office/drawing/2014/main" id="{8854772B-9C8F-4037-89E0-3A45208AB395}"/>
-              </a:ext>
-              <a:ext uri="{C183D7F6-B498-43B3-948B-1728B52AA6E4}">
-                <adec:decorative xmlns:adec="http://schemas.microsoft.com/office/drawing/2017/decorative" val="1"/>
-              </a:ext>
-            </a:extLst>
-          </p:cNvPr>
-          <p:cNvSpPr>
-            <a:spLocks noGrp="1" noRot="1" noChangeAspect="1" noMove="1" noResize="1" noEditPoints="1" noAdjustHandles="1" noChangeArrowheads="1" noChangeShapeType="1" noTextEdit="1"/>
-          </p:cNvSpPr>
-          <p:nvPr>
-            <p:extLst>
-              <p:ext uri="{386F3935-93C4-4BCD-93E2-E3B085C9AB24}">
-                <p16:designElem xmlns:p16="http://schemas.microsoft.com/office/powerpoint/2015/main" val="1"/>
-              </p:ext>
-            </p:extLst>
-          </p:nvPr>
-        </p:nvSpPr>
-        <p:spPr>
-          <a:xfrm>
-            <a:off x="637093" y="1576408"/>
-            <a:ext cx="10917814" cy="4638125"/>
-          </a:xfrm>
-          <a:custGeom>
-            <a:avLst/>
-            <a:gdLst>
-              <a:gd name="connsiteX0" fmla="*/ 5441025 w 10917814"/>
-              <a:gd name="connsiteY0" fmla="*/ 0 h 4638125"/>
-              <a:gd name="connsiteX1" fmla="*/ 5453725 w 10917814"/>
-              <a:gd name="connsiteY1" fmla="*/ 0 h 4638125"/>
-              <a:gd name="connsiteX2" fmla="*/ 5464308 w 10917814"/>
-              <a:gd name="connsiteY2" fmla="*/ 0 h 4638125"/>
-              <a:gd name="connsiteX3" fmla="*/ 5477009 w 10917814"/>
-              <a:gd name="connsiteY3" fmla="*/ 4762 h 4638125"/>
-              <a:gd name="connsiteX4" fmla="*/ 5489708 w 10917814"/>
-              <a:gd name="connsiteY4" fmla="*/ 9525 h 4638125"/>
-              <a:gd name="connsiteX5" fmla="*/ 5498175 w 10917814"/>
-              <a:gd name="connsiteY5" fmla="*/ 12700 h 4638125"/>
-              <a:gd name="connsiteX6" fmla="*/ 5865801 w 10917814"/>
-              <a:gd name="connsiteY6" fmla="*/ 288419 h 4638125"/>
-              <a:gd name="connsiteX7" fmla="*/ 10765009 w 10917814"/>
-              <a:gd name="connsiteY7" fmla="*/ 288419 h 4638125"/>
-              <a:gd name="connsiteX8" fmla="*/ 10917814 w 10917814"/>
-              <a:gd name="connsiteY8" fmla="*/ 441224 h 4638125"/>
-              <a:gd name="connsiteX9" fmla="*/ 10917814 w 10917814"/>
-              <a:gd name="connsiteY9" fmla="*/ 4485320 h 4638125"/>
-              <a:gd name="connsiteX10" fmla="*/ 10765009 w 10917814"/>
-              <a:gd name="connsiteY10" fmla="*/ 4638125 h 4638125"/>
-              <a:gd name="connsiteX11" fmla="*/ 152805 w 10917814"/>
-              <a:gd name="connsiteY11" fmla="*/ 4638125 h 4638125"/>
-              <a:gd name="connsiteX12" fmla="*/ 0 w 10917814"/>
-              <a:gd name="connsiteY12" fmla="*/ 4485320 h 4638125"/>
-              <a:gd name="connsiteX13" fmla="*/ 0 w 10917814"/>
-              <a:gd name="connsiteY13" fmla="*/ 441224 h 4638125"/>
-              <a:gd name="connsiteX14" fmla="*/ 152805 w 10917814"/>
-              <a:gd name="connsiteY14" fmla="*/ 288419 h 4638125"/>
-              <a:gd name="connsiteX15" fmla="*/ 5041650 w 10917814"/>
-              <a:gd name="connsiteY15" fmla="*/ 288419 h 4638125"/>
-              <a:gd name="connsiteX16" fmla="*/ 5409275 w 10917814"/>
-              <a:gd name="connsiteY16" fmla="*/ 12700 h 4638125"/>
-              <a:gd name="connsiteX17" fmla="*/ 5417742 w 10917814"/>
-              <a:gd name="connsiteY17" fmla="*/ 9525 h 4638125"/>
-              <a:gd name="connsiteX18" fmla="*/ 5430442 w 10917814"/>
-              <a:gd name="connsiteY18" fmla="*/ 4762 h 4638125"/>
-            </a:gdLst>
-            <a:ahLst/>
-            <a:cxnLst>
-              <a:cxn ang="0">
-                <a:pos x="connsiteX0" y="connsiteY0"/>
-              </a:cxn>
-              <a:cxn ang="0">
-                <a:pos x="connsiteX1" y="connsiteY1"/>
-              </a:cxn>
-              <a:cxn ang="0">
-                <a:pos x="connsiteX2" y="connsiteY2"/>
-              </a:cxn>
-              <a:cxn ang="0">
-                <a:pos x="connsiteX3" y="connsiteY3"/>
-              </a:cxn>
-              <a:cxn ang="0">
-                <a:pos x="connsiteX4" y="connsiteY4"/>
-              </a:cxn>
-              <a:cxn ang="0">
-                <a:pos x="connsiteX5" y="connsiteY5"/>
-              </a:cxn>
-              <a:cxn ang="0">
-                <a:pos x="connsiteX6" y="connsiteY6"/>
-              </a:cxn>
-              <a:cxn ang="0">
-                <a:pos x="connsiteX7" y="connsiteY7"/>
-              </a:cxn>
-              <a:cxn ang="0">
-                <a:pos x="connsiteX8" y="connsiteY8"/>
-              </a:cxn>
-              <a:cxn ang="0">
-                <a:pos x="connsiteX9" y="connsiteY9"/>
-              </a:cxn>
-              <a:cxn ang="0">
-                <a:pos x="connsiteX10" y="connsiteY10"/>
-              </a:cxn>
-              <a:cxn ang="0">
-                <a:pos x="connsiteX11" y="connsiteY11"/>
-              </a:cxn>
-              <a:cxn ang="0">
-                <a:pos x="connsiteX12" y="connsiteY12"/>
-              </a:cxn>
-              <a:cxn ang="0">
-                <a:pos x="connsiteX13" y="connsiteY13"/>
-              </a:cxn>
-              <a:cxn ang="0">
-                <a:pos x="connsiteX14" y="connsiteY14"/>
-              </a:cxn>
-              <a:cxn ang="0">
-                <a:pos x="connsiteX15" y="connsiteY15"/>
-              </a:cxn>
-              <a:cxn ang="0">
-                <a:pos x="connsiteX16" y="connsiteY16"/>
-              </a:cxn>
-              <a:cxn ang="0">
-                <a:pos x="connsiteX17" y="connsiteY17"/>
-              </a:cxn>
-              <a:cxn ang="0">
-                <a:pos x="connsiteX18" y="connsiteY18"/>
-              </a:cxn>
-            </a:cxnLst>
-            <a:rect l="l" t="t" r="r" b="b"/>
-            <a:pathLst>
-              <a:path w="10917814" h="4638125">
-                <a:moveTo>
-                  <a:pt x="5441025" y="0"/>
-                </a:moveTo>
-                <a:lnTo>
-                  <a:pt x="5453725" y="0"/>
-                </a:lnTo>
-                <a:lnTo>
-                  <a:pt x="5464308" y="0"/>
-                </a:lnTo>
-                <a:lnTo>
-                  <a:pt x="5477009" y="4762"/>
-                </a:lnTo>
-                <a:lnTo>
-                  <a:pt x="5489708" y="9525"/>
-                </a:lnTo>
-                <a:lnTo>
-                  <a:pt x="5498175" y="12700"/>
-                </a:lnTo>
-                <a:lnTo>
-                  <a:pt x="5865801" y="288419"/>
-                </a:lnTo>
-                <a:lnTo>
-                  <a:pt x="10765009" y="288419"/>
-                </a:lnTo>
-                <a:cubicBezTo>
-                  <a:pt x="10849401" y="288419"/>
-                  <a:pt x="10917814" y="356832"/>
-                  <a:pt x="10917814" y="441224"/>
-                </a:cubicBezTo>
-                <a:lnTo>
-                  <a:pt x="10917814" y="4485320"/>
-                </a:lnTo>
-                <a:cubicBezTo>
-                  <a:pt x="10917814" y="4569712"/>
-                  <a:pt x="10849401" y="4638125"/>
-                  <a:pt x="10765009" y="4638125"/>
-                </a:cubicBezTo>
-                <a:lnTo>
-                  <a:pt x="152805" y="4638125"/>
-                </a:lnTo>
-                <a:cubicBezTo>
-                  <a:pt x="68413" y="4638125"/>
-                  <a:pt x="0" y="4569712"/>
-                  <a:pt x="0" y="4485320"/>
-                </a:cubicBezTo>
-                <a:lnTo>
-                  <a:pt x="0" y="441224"/>
-                </a:lnTo>
-                <a:cubicBezTo>
-                  <a:pt x="0" y="356832"/>
-                  <a:pt x="68413" y="288419"/>
-                  <a:pt x="152805" y="288419"/>
-                </a:cubicBezTo>
-                <a:lnTo>
-                  <a:pt x="5041650" y="288419"/>
-                </a:lnTo>
-                <a:lnTo>
-                  <a:pt x="5409275" y="12700"/>
-                </a:lnTo>
-                <a:lnTo>
-                  <a:pt x="5417742" y="9525"/>
-                </a:lnTo>
-                <a:lnTo>
-                  <a:pt x="5430442" y="4762"/>
-                </a:lnTo>
-                <a:close/>
-              </a:path>
-            </a:pathLst>
-          </a:custGeom>
-          <a:noFill/>
-          <a:ln w="38100">
-            <a:solidFill>
-              <a:schemeClr val="accent1"/>
-            </a:solidFill>
-          </a:ln>
-          <a:effectLst/>
-        </p:spPr>
-        <p:style>
-          <a:lnRef idx="2">
-            <a:schemeClr val="accent1">
-              <a:shade val="50000"/>
-            </a:schemeClr>
-          </a:lnRef>
-          <a:fillRef idx="1">
-            <a:schemeClr val="accent1"/>
-          </a:fillRef>
-          <a:effectRef idx="0">
-            <a:schemeClr val="accent1"/>
-          </a:effectRef>
-          <a:fontRef idx="minor">
-            <a:schemeClr val="lt1"/>
-          </a:fontRef>
-        </p:style>
-        <p:txBody>
-          <a:bodyPr wrap="square" rtlCol="0" anchor="ctr">
-            <a:noAutofit/>
-          </a:bodyPr>
-          <a:lstStyle/>
-          <a:p>
-            <a:pPr algn="ctr"/>
-            <a:endParaRPr lang="en-US"/>
-          </a:p>
-        </p:txBody>
-      </p:sp>
-      <p:sp>
-        <p:nvSpPr>
-          <p:cNvPr id="5" name="Content Placeholder 4">
-            <a:extLst>
-              <a:ext uri="{FF2B5EF4-FFF2-40B4-BE49-F238E27FC236}">
-                <a16:creationId xmlns:a16="http://schemas.microsoft.com/office/drawing/2014/main" id="{F1A93B6C-6267-41CD-8321-E23862265AFA}"/>
-              </a:ext>
-            </a:extLst>
-          </p:cNvPr>
-          <p:cNvSpPr>
-            <a:spLocks noGrp="1"/>
-          </p:cNvSpPr>
-          <p:nvPr>
-            <p:ph idx="1"/>
-          </p:nvPr>
-        </p:nvSpPr>
-        <p:spPr>
-          <a:xfrm>
-            <a:off x="1115732" y="2222287"/>
-            <a:ext cx="9966953" cy="3636511"/>
-          </a:xfrm>
-          <a:effectLst/>
-        </p:spPr>
-        <p:txBody>
-          <a:bodyPr>
-            <a:noAutofit/>
-          </a:bodyPr>
-          <a:lstStyle/>
-          <a:p>
-            <a:r>
-              <a:rPr lang="en-IN" sz="1700" dirty="0">
-                <a:latin typeface="Calibri" panose="020F0502020204030204" pitchFamily="34" charset="0"/>
-                <a:cs typeface="Calibri" panose="020F0502020204030204" pitchFamily="34" charset="0"/>
-              </a:rPr>
-              <a:t>After removing correlated features and features with unique values, we have 30 features in the dataset:</a:t>
-            </a:r>
-          </a:p>
-          <a:p>
-            <a:pPr lvl="1"/>
-            <a:r>
-              <a:rPr lang="en-IN" sz="1700" dirty="0">
-                <a:latin typeface="Calibri" panose="020F0502020204030204" pitchFamily="34" charset="0"/>
-                <a:cs typeface="Calibri" panose="020F0502020204030204" pitchFamily="34" charset="0"/>
-              </a:rPr>
-              <a:t>9 Numerical Features</a:t>
-            </a:r>
-          </a:p>
-          <a:p>
-            <a:pPr lvl="1"/>
-            <a:r>
-              <a:rPr lang="en-IN" sz="1700" dirty="0">
-                <a:latin typeface="Calibri" panose="020F0502020204030204" pitchFamily="34" charset="0"/>
-                <a:cs typeface="Calibri" panose="020F0502020204030204" pitchFamily="34" charset="0"/>
-              </a:rPr>
-              <a:t>21 Categorical Features</a:t>
-            </a:r>
-          </a:p>
-          <a:p>
-            <a:r>
-              <a:rPr lang="en-IN" sz="1700" dirty="0">
-                <a:latin typeface="Calibri" panose="020F0502020204030204" pitchFamily="34" charset="0"/>
-                <a:cs typeface="Calibri" panose="020F0502020204030204" pitchFamily="34" charset="0"/>
-              </a:rPr>
-              <a:t>Predictive Model used is </a:t>
-            </a:r>
-            <a:r>
-              <a:rPr lang="en-US" sz="1700" b="1" kern="100" dirty="0">
-                <a:solidFill>
-                  <a:srgbClr val="161616"/>
-                </a:solidFill>
-                <a:effectLst/>
-                <a:latin typeface="Calibri" panose="020F0502020204030204" pitchFamily="34" charset="0"/>
-                <a:ea typeface="Calibri" panose="020F0502020204030204" pitchFamily="34" charset="0"/>
-                <a:cs typeface="Calibri" panose="020F0502020204030204" pitchFamily="34" charset="0"/>
-              </a:rPr>
-              <a:t>Logistic Regression Model and </a:t>
-            </a:r>
-            <a:r>
-              <a:rPr lang="en-IN" sz="1700" b="1" dirty="0">
-                <a:latin typeface="Calibri" panose="020F0502020204030204" pitchFamily="34" charset="0"/>
-                <a:cs typeface="Calibri" panose="020F0502020204030204" pitchFamily="34" charset="0"/>
-              </a:rPr>
-              <a:t>Random Forest Model</a:t>
-            </a:r>
-          </a:p>
-          <a:p>
-            <a:pPr marL="0" indent="0">
-              <a:buNone/>
-            </a:pPr>
-            <a:r>
-              <a:rPr lang="en-US" sz="1700" b="1" kern="100" dirty="0">
-                <a:solidFill>
-                  <a:srgbClr val="161616"/>
-                </a:solidFill>
-                <a:effectLst/>
-                <a:latin typeface="Calibri" panose="020F0502020204030204" pitchFamily="34" charset="0"/>
-                <a:ea typeface="Calibri" panose="020F0502020204030204" pitchFamily="34" charset="0"/>
-                <a:cs typeface="Calibri" panose="020F0502020204030204" pitchFamily="34" charset="0"/>
-              </a:rPr>
-              <a:t>1. Logistic Regression Model</a:t>
-            </a:r>
-            <a:endParaRPr lang="en-US" sz="1700" kern="100" dirty="0">
-              <a:effectLst/>
-              <a:latin typeface="Calibri" panose="020F0502020204030204" pitchFamily="34" charset="0"/>
-              <a:ea typeface="Calibri" panose="020F0502020204030204" pitchFamily="34" charset="0"/>
-              <a:cs typeface="Calibri" panose="020F0502020204030204" pitchFamily="34" charset="0"/>
-            </a:endParaRPr>
-          </a:p>
-          <a:p>
-            <a:pPr marL="342900" marR="0" lvl="0" indent="-342900">
-              <a:lnSpc>
-                <a:spcPct val="107000"/>
-              </a:lnSpc>
-              <a:spcBef>
-                <a:spcPts val="0"/>
-              </a:spcBef>
-              <a:spcAft>
-                <a:spcPts val="800"/>
-              </a:spcAft>
-              <a:buSzPts val="1000"/>
-              <a:buFont typeface="Symbol" panose="05050102010706020507" pitchFamily="18" charset="2"/>
-              <a:buChar char=""/>
-              <a:tabLst>
-                <a:tab pos="457200" algn="l"/>
-              </a:tabLst>
-            </a:pPr>
-            <a:r>
-              <a:rPr lang="en-US" sz="1700" kern="100" dirty="0">
-                <a:solidFill>
-                  <a:srgbClr val="161616"/>
-                </a:solidFill>
-                <a:effectLst/>
-                <a:latin typeface="Calibri" panose="020F0502020204030204" pitchFamily="34" charset="0"/>
-                <a:ea typeface="Calibri" panose="020F0502020204030204" pitchFamily="34" charset="0"/>
-                <a:cs typeface="Calibri" panose="020F0502020204030204" pitchFamily="34" charset="0"/>
-              </a:rPr>
-              <a:t>Used RFECV for feature selection and built a logistic regression model.</a:t>
-            </a:r>
-          </a:p>
-          <a:p>
-            <a:pPr marL="0" marR="0" lvl="0" indent="0">
-              <a:lnSpc>
-                <a:spcPct val="107000"/>
-              </a:lnSpc>
-              <a:spcBef>
-                <a:spcPts val="0"/>
-              </a:spcBef>
-              <a:spcAft>
-                <a:spcPts val="800"/>
-              </a:spcAft>
-              <a:buSzPts val="1000"/>
-              <a:buNone/>
-              <a:tabLst>
-                <a:tab pos="457200" algn="l"/>
-              </a:tabLst>
-            </a:pPr>
-            <a:r>
-              <a:rPr lang="en-US" sz="1700" b="1" kern="100" dirty="0">
-                <a:solidFill>
-                  <a:srgbClr val="161616"/>
-                </a:solidFill>
-                <a:effectLst/>
-                <a:latin typeface="Calibri" panose="020F0502020204030204" pitchFamily="34" charset="0"/>
-                <a:ea typeface="Calibri" panose="020F0502020204030204" pitchFamily="34" charset="0"/>
-                <a:cs typeface="Calibri" panose="020F0502020204030204" pitchFamily="34" charset="0"/>
-              </a:rPr>
-              <a:t>2. Random Forest Model</a:t>
-            </a:r>
-            <a:endParaRPr lang="en-US" sz="1700" kern="100" dirty="0">
-              <a:effectLst/>
-              <a:latin typeface="Calibri" panose="020F0502020204030204" pitchFamily="34" charset="0"/>
-              <a:ea typeface="Calibri" panose="020F0502020204030204" pitchFamily="34" charset="0"/>
-              <a:cs typeface="Calibri" panose="020F0502020204030204" pitchFamily="34" charset="0"/>
-            </a:endParaRPr>
-          </a:p>
-          <a:p>
-            <a:pPr marL="342900" marR="0" lvl="0" indent="-342900">
-              <a:lnSpc>
-                <a:spcPct val="107000"/>
-              </a:lnSpc>
-              <a:spcBef>
-                <a:spcPts val="0"/>
-              </a:spcBef>
-              <a:spcAft>
-                <a:spcPts val="800"/>
-              </a:spcAft>
-              <a:buSzPts val="1000"/>
-              <a:buFont typeface="Symbol" panose="05050102010706020507" pitchFamily="18" charset="2"/>
-              <a:buChar char=""/>
-              <a:tabLst>
-                <a:tab pos="457200" algn="l"/>
-              </a:tabLst>
-            </a:pPr>
-            <a:r>
-              <a:rPr lang="en-US" sz="1700" kern="100" dirty="0">
-                <a:solidFill>
-                  <a:srgbClr val="161616"/>
-                </a:solidFill>
-                <a:effectLst/>
-                <a:latin typeface="Calibri" panose="020F0502020204030204" pitchFamily="34" charset="0"/>
-                <a:ea typeface="Calibri" panose="020F0502020204030204" pitchFamily="34" charset="0"/>
-                <a:cs typeface="Calibri" panose="020F0502020204030204" pitchFamily="34" charset="0"/>
-              </a:rPr>
-              <a:t>Built a random forest model and obtained feature importance scores.</a:t>
-            </a:r>
-          </a:p>
-          <a:p>
-            <a:pPr marL="342900" marR="0" lvl="0" indent="-342900">
-              <a:lnSpc>
-                <a:spcPct val="107000"/>
-              </a:lnSpc>
-              <a:spcBef>
-                <a:spcPts val="0"/>
-              </a:spcBef>
-              <a:spcAft>
-                <a:spcPts val="800"/>
-              </a:spcAft>
-              <a:buSzPts val="1000"/>
-              <a:buFont typeface="Symbol" panose="05050102010706020507" pitchFamily="18" charset="2"/>
-              <a:buChar char=""/>
-              <a:tabLst>
-                <a:tab pos="457200" algn="l"/>
-              </a:tabLst>
-            </a:pPr>
-            <a:r>
-              <a:rPr lang="en-US" sz="1700" kern="100" dirty="0">
-                <a:solidFill>
-                  <a:srgbClr val="161616"/>
-                </a:solidFill>
-                <a:effectLst/>
-                <a:latin typeface="Calibri" panose="020F0502020204030204" pitchFamily="34" charset="0"/>
-                <a:ea typeface="Calibri" panose="020F0502020204030204" pitchFamily="34" charset="0"/>
-                <a:cs typeface="Calibri" panose="020F0502020204030204" pitchFamily="34" charset="0"/>
-              </a:rPr>
-              <a:t>Performed hyperparameter tuning using grid search to optimize model performance</a:t>
-            </a:r>
-            <a:endParaRPr lang="en-IN" sz="1700" dirty="0">
-              <a:latin typeface="Calibri" panose="020F0502020204030204" pitchFamily="34" charset="0"/>
-              <a:cs typeface="Calibri" panose="020F0502020204030204" pitchFamily="34" charset="0"/>
-            </a:endParaRPr>
-          </a:p>
-          <a:p>
-            <a:r>
-              <a:rPr lang="en-IN" sz="1700" dirty="0" err="1">
-                <a:latin typeface="Calibri" panose="020F0502020204030204" pitchFamily="34" charset="0"/>
-                <a:cs typeface="Calibri" panose="020F0502020204030204" pitchFamily="34" charset="0"/>
-              </a:rPr>
-              <a:t>RandomForestClassifier</a:t>
-            </a:r>
-            <a:r>
-              <a:rPr lang="en-IN" sz="1700" dirty="0">
-                <a:latin typeface="Calibri" panose="020F0502020204030204" pitchFamily="34" charset="0"/>
-                <a:cs typeface="Calibri" panose="020F0502020204030204" pitchFamily="34" charset="0"/>
-              </a:rPr>
-              <a:t> gave best performance, so results for that have been shown.</a:t>
-            </a:r>
-          </a:p>
-        </p:txBody>
-      </p:sp>
-    </p:spTree>
-    <p:extLst>
-      <p:ext uri="{BB962C8B-B14F-4D97-AF65-F5344CB8AC3E}">
-        <p14:creationId xmlns:p14="http://schemas.microsoft.com/office/powerpoint/2010/main" val="3256706813"/>
-      </p:ext>
-    </p:extLst>
-  </p:cSld>
-  <p:clrMapOvr>
-    <a:overrideClrMapping bg1="lt1" tx1="dk1" bg2="lt2" tx2="dk2" accent1="accent1" accent2="accent2" accent3="accent3" accent4="accent4" accent5="accent5" accent6="accent6" hlink="hlink" folHlink="folHlink"/>
-  </p:clrMapOvr>
-</p:sld>
-</file>
-
-<file path=ppt/slides/slide13.xml><?xml version="1.0" encoding="utf-8"?>
-<p:sld xmlns:a="http://schemas.openxmlformats.org/drawingml/2006/main" xmlns:r="http://schemas.openxmlformats.org/officeDocument/2006/relationships" xmlns:p="http://schemas.openxmlformats.org/presentationml/2006/main">
-  <p:cSld>
-    <p:spTree>
-      <p:nvGrpSpPr>
-        <p:cNvPr id="1" name=""/>
-        <p:cNvGrpSpPr/>
-        <p:nvPr/>
-      </p:nvGrpSpPr>
-      <p:grpSpPr>
-        <a:xfrm>
-          <a:off x="0" y="0"/>
-          <a:ext cx="0" cy="0"/>
-          <a:chOff x="0" y="0"/>
-          <a:chExt cx="0" cy="0"/>
-        </a:xfrm>
-      </p:grpSpPr>
-      <p:sp>
-        <p:nvSpPr>
-          <p:cNvPr id="4" name="Title 3">
-            <a:extLst>
-              <a:ext uri="{FF2B5EF4-FFF2-40B4-BE49-F238E27FC236}">
-                <a16:creationId xmlns:a16="http://schemas.microsoft.com/office/drawing/2014/main" id="{4F15A540-E26F-417A-8806-60266F0864AA}"/>
-              </a:ext>
-            </a:extLst>
-          </p:cNvPr>
-          <p:cNvSpPr>
-            <a:spLocks noGrp="1"/>
-          </p:cNvSpPr>
-          <p:nvPr>
-            <p:ph type="title"/>
-          </p:nvPr>
-        </p:nvSpPr>
-        <p:spPr/>
-        <p:txBody>
-          <a:bodyPr/>
-          <a:lstStyle/>
-          <a:p>
-            <a:r>
-              <a:rPr lang="en-IN" dirty="0"/>
-              <a:t>Base model performance</a:t>
-            </a:r>
-          </a:p>
-        </p:txBody>
-      </p:sp>
-      <p:sp>
-        <p:nvSpPr>
-          <p:cNvPr id="6" name="Content Placeholder 5">
-            <a:extLst>
-              <a:ext uri="{FF2B5EF4-FFF2-40B4-BE49-F238E27FC236}">
-                <a16:creationId xmlns:a16="http://schemas.microsoft.com/office/drawing/2014/main" id="{BF26D38E-2EA6-4752-923E-22D7ED2F042F}"/>
-              </a:ext>
-            </a:extLst>
-          </p:cNvPr>
-          <p:cNvSpPr>
-            <a:spLocks noGrp="1"/>
-          </p:cNvSpPr>
-          <p:nvPr>
-            <p:ph sz="half" idx="2"/>
-          </p:nvPr>
-        </p:nvSpPr>
-        <p:spPr/>
-        <p:txBody>
-          <a:bodyPr/>
-          <a:lstStyle/>
-          <a:p>
-            <a:r>
-              <a:rPr lang="en-IN" dirty="0"/>
-              <a:t>The Base model performed fairly well on rightful claims, but not so great on the fraudulent claims.</a:t>
-            </a:r>
-          </a:p>
-          <a:p>
-            <a:r>
-              <a:rPr lang="en-IN" dirty="0"/>
-              <a:t>This shows the need to </a:t>
-            </a:r>
-            <a:r>
-              <a:rPr lang="en-IN" dirty="0" err="1"/>
-              <a:t>hypertune</a:t>
-            </a:r>
-            <a:r>
-              <a:rPr lang="en-IN" dirty="0"/>
-              <a:t> the model, by giving more weight to the underrepresented class. Could also be the case of overfitting on training dataset.</a:t>
-            </a:r>
-          </a:p>
-        </p:txBody>
-      </p:sp>
-      <p:pic>
-        <p:nvPicPr>
-          <p:cNvPr id="22" name="Content Placeholder 21">
-            <a:extLst>
-              <a:ext uri="{FF2B5EF4-FFF2-40B4-BE49-F238E27FC236}">
-                <a16:creationId xmlns:a16="http://schemas.microsoft.com/office/drawing/2014/main" id="{D4175D35-75C1-49C7-88F9-82FD6B62E364}"/>
-              </a:ext>
-            </a:extLst>
-          </p:cNvPr>
-          <p:cNvPicPr>
-            <a:picLocks noGrp="1" noChangeAspect="1"/>
-          </p:cNvPicPr>
-          <p:nvPr>
-            <p:ph sz="half" idx="1"/>
-          </p:nvPr>
-        </p:nvPicPr>
-        <p:blipFill>
-          <a:blip r:embed="rId2"/>
-          <a:stretch>
-            <a:fillRect/>
-          </a:stretch>
-        </p:blipFill>
-        <p:spPr>
-          <a:xfrm>
-            <a:off x="1083076" y="2222500"/>
-            <a:ext cx="4625266" cy="3638550"/>
-          </a:xfrm>
-          <a:prstGeom prst="rect">
-            <a:avLst/>
-          </a:prstGeom>
-        </p:spPr>
-      </p:pic>
-    </p:spTree>
-    <p:extLst>
-      <p:ext uri="{BB962C8B-B14F-4D97-AF65-F5344CB8AC3E}">
-        <p14:creationId xmlns:p14="http://schemas.microsoft.com/office/powerpoint/2010/main" val="2901208216"/>
-      </p:ext>
-    </p:extLst>
-  </p:cSld>
-  <p:clrMapOvr>
-    <a:masterClrMapping/>
-  </p:clrMapOvr>
-</p:sld>
-</file>
-
-<file path=ppt/slides/slide14.xml><?xml version="1.0" encoding="utf-8"?>
-<p:sld xmlns:a="http://schemas.openxmlformats.org/drawingml/2006/main" xmlns:r="http://schemas.openxmlformats.org/officeDocument/2006/relationships" xmlns:p="http://schemas.openxmlformats.org/presentationml/2006/main">
-  <p:cSld>
-    <p:spTree>
-      <p:nvGrpSpPr>
-        <p:cNvPr id="1" name=""/>
-        <p:cNvGrpSpPr/>
-        <p:nvPr/>
-      </p:nvGrpSpPr>
-      <p:grpSpPr>
-        <a:xfrm>
-          <a:off x="0" y="0"/>
-          <a:ext cx="0" cy="0"/>
-          <a:chOff x="0" y="0"/>
-          <a:chExt cx="0" cy="0"/>
-        </a:xfrm>
-      </p:grpSpPr>
-      <p:sp>
-        <p:nvSpPr>
-          <p:cNvPr id="2" name="Title 1">
-            <a:extLst>
-              <a:ext uri="{FF2B5EF4-FFF2-40B4-BE49-F238E27FC236}">
-                <a16:creationId xmlns:a16="http://schemas.microsoft.com/office/drawing/2014/main" id="{C71267C9-88B4-435E-9243-02014E0E7A79}"/>
-              </a:ext>
-            </a:extLst>
-          </p:cNvPr>
-          <p:cNvSpPr>
-            <a:spLocks noGrp="1"/>
-          </p:cNvSpPr>
-          <p:nvPr>
-            <p:ph type="title"/>
-          </p:nvPr>
-        </p:nvSpPr>
-        <p:spPr/>
-        <p:txBody>
-          <a:bodyPr/>
-          <a:lstStyle/>
-          <a:p>
-            <a:r>
-              <a:rPr lang="en-IN" dirty="0"/>
-              <a:t>Model Tuning</a:t>
-            </a:r>
-          </a:p>
-        </p:txBody>
-      </p:sp>
-      <p:sp>
-        <p:nvSpPr>
-          <p:cNvPr id="4" name="Content Placeholder 3">
-            <a:extLst>
-              <a:ext uri="{FF2B5EF4-FFF2-40B4-BE49-F238E27FC236}">
-                <a16:creationId xmlns:a16="http://schemas.microsoft.com/office/drawing/2014/main" id="{C86FD1A4-F682-4456-93C3-1C97B1CCFF11}"/>
-              </a:ext>
-            </a:extLst>
-          </p:cNvPr>
-          <p:cNvSpPr>
-            <a:spLocks noGrp="1"/>
-          </p:cNvSpPr>
-          <p:nvPr>
-            <p:ph sz="quarter" idx="4"/>
-          </p:nvPr>
-        </p:nvSpPr>
-        <p:spPr/>
-        <p:txBody>
-          <a:bodyPr/>
-          <a:lstStyle/>
-          <a:p>
-            <a:r>
-              <a:rPr lang="en-IN" dirty="0"/>
-              <a:t>Model performance has vastly improved because of hyperparameter tuning.</a:t>
-            </a:r>
-          </a:p>
-          <a:p>
-            <a:r>
-              <a:rPr lang="en-IN" dirty="0"/>
-              <a:t>Recall for both classes is above 80%.</a:t>
-            </a:r>
-          </a:p>
-          <a:p>
-            <a:r>
-              <a:rPr lang="en-IN" dirty="0"/>
-              <a:t>From a business point of view, recall of fraudulent class should be one, so still room for improvement.</a:t>
-            </a:r>
-          </a:p>
-        </p:txBody>
-      </p:sp>
-      <p:pic>
-        <p:nvPicPr>
-          <p:cNvPr id="9" name="Content Placeholder 8">
-            <a:extLst>
-              <a:ext uri="{FF2B5EF4-FFF2-40B4-BE49-F238E27FC236}">
-                <a16:creationId xmlns:a16="http://schemas.microsoft.com/office/drawing/2014/main" id="{BD8224F7-B233-41A4-A5BB-596409D4E16D}"/>
-              </a:ext>
-            </a:extLst>
-          </p:cNvPr>
-          <p:cNvPicPr>
-            <a:picLocks noGrp="1"/>
-          </p:cNvPicPr>
-          <p:nvPr>
-            <p:ph sz="half" idx="2"/>
-          </p:nvPr>
-        </p:nvPicPr>
-        <p:blipFill>
-          <a:blip r:embed="rId2"/>
-          <a:stretch>
-            <a:fillRect/>
-          </a:stretch>
-        </p:blipFill>
-        <p:spPr>
-          <a:xfrm>
-            <a:off x="1083600" y="2221200"/>
-            <a:ext cx="4626000" cy="3639600"/>
-          </a:xfrm>
-          <a:prstGeom prst="rect">
-            <a:avLst/>
-          </a:prstGeom>
-        </p:spPr>
-      </p:pic>
-    </p:spTree>
-    <p:extLst>
-      <p:ext uri="{BB962C8B-B14F-4D97-AF65-F5344CB8AC3E}">
-        <p14:creationId xmlns:p14="http://schemas.microsoft.com/office/powerpoint/2010/main" val="2424919975"/>
-      </p:ext>
-    </p:extLst>
-  </p:cSld>
-  <p:clrMapOvr>
-    <a:masterClrMapping/>
-  </p:clrMapOvr>
-</p:sld>
-</file>
-
-<file path=ppt/slides/slide15.xml><?xml version="1.0" encoding="utf-8"?>
-<p:sld xmlns:a="http://schemas.openxmlformats.org/drawingml/2006/main" xmlns:r="http://schemas.openxmlformats.org/officeDocument/2006/relationships" xmlns:p="http://schemas.openxmlformats.org/presentationml/2006/main">
-  <p:cSld>
-    <p:spTree>
-      <p:nvGrpSpPr>
-        <p:cNvPr id="1" name=""/>
-        <p:cNvGrpSpPr/>
-        <p:nvPr/>
-      </p:nvGrpSpPr>
-      <p:grpSpPr>
-        <a:xfrm>
-          <a:off x="0" y="0"/>
-          <a:ext cx="0" cy="0"/>
-          <a:chOff x="0" y="0"/>
-          <a:chExt cx="0" cy="0"/>
-        </a:xfrm>
-      </p:grpSpPr>
-      <p:sp>
-        <p:nvSpPr>
-          <p:cNvPr id="2" name="Title 1">
-            <a:extLst>
-              <a:ext uri="{FF2B5EF4-FFF2-40B4-BE49-F238E27FC236}">
-                <a16:creationId xmlns:a16="http://schemas.microsoft.com/office/drawing/2014/main" id="{C71267C9-88B4-435E-9243-02014E0E7A79}"/>
-              </a:ext>
-            </a:extLst>
-          </p:cNvPr>
-          <p:cNvSpPr>
-            <a:spLocks noGrp="1"/>
-          </p:cNvSpPr>
-          <p:nvPr>
-            <p:ph type="title"/>
-          </p:nvPr>
-        </p:nvSpPr>
-        <p:spPr/>
-        <p:txBody>
-          <a:bodyPr/>
-          <a:lstStyle/>
-          <a:p>
-            <a:r>
-              <a:rPr lang="en-IN" sz="3600" dirty="0"/>
-              <a:t>Model Performance with important features</a:t>
-            </a:r>
-          </a:p>
-        </p:txBody>
-      </p:sp>
-      <p:sp>
-        <p:nvSpPr>
-          <p:cNvPr id="4" name="Content Placeholder 3">
-            <a:extLst>
-              <a:ext uri="{FF2B5EF4-FFF2-40B4-BE49-F238E27FC236}">
-                <a16:creationId xmlns:a16="http://schemas.microsoft.com/office/drawing/2014/main" id="{C86FD1A4-F682-4456-93C3-1C97B1CCFF11}"/>
-              </a:ext>
-            </a:extLst>
-          </p:cNvPr>
-          <p:cNvSpPr>
-            <a:spLocks noGrp="1"/>
-          </p:cNvSpPr>
-          <p:nvPr>
-            <p:ph sz="quarter" idx="4"/>
-          </p:nvPr>
-        </p:nvSpPr>
-        <p:spPr/>
-        <p:txBody>
-          <a:bodyPr/>
-          <a:lstStyle/>
-          <a:p>
-            <a:r>
-              <a:rPr lang="en-IN" dirty="0"/>
-              <a:t>Model performance with selection of only important features has improved slightly more</a:t>
-            </a:r>
-          </a:p>
-          <a:p>
-            <a:r>
-              <a:rPr lang="en-IN" dirty="0"/>
-              <a:t>F1-Score has increased from 0.84 to 0.85</a:t>
-            </a:r>
-          </a:p>
-          <a:p>
-            <a:endParaRPr lang="en-IN" dirty="0"/>
-          </a:p>
-        </p:txBody>
-      </p:sp>
-      <p:pic>
-        <p:nvPicPr>
-          <p:cNvPr id="6" name="Content Placeholder 5">
-            <a:extLst>
-              <a:ext uri="{FF2B5EF4-FFF2-40B4-BE49-F238E27FC236}">
-                <a16:creationId xmlns:a16="http://schemas.microsoft.com/office/drawing/2014/main" id="{01E3DCE0-151D-4627-9959-3E1A7BCC7E05}"/>
-              </a:ext>
-            </a:extLst>
-          </p:cNvPr>
-          <p:cNvPicPr>
-            <a:picLocks noGrp="1"/>
-          </p:cNvPicPr>
-          <p:nvPr>
-            <p:ph sz="half" idx="2"/>
-          </p:nvPr>
-        </p:nvPicPr>
-        <p:blipFill>
-          <a:blip r:embed="rId2"/>
-          <a:stretch>
-            <a:fillRect/>
-          </a:stretch>
-        </p:blipFill>
-        <p:spPr>
-          <a:xfrm>
-            <a:off x="1083600" y="2221200"/>
-            <a:ext cx="4626000" cy="3639600"/>
-          </a:xfrm>
-          <a:prstGeom prst="rect">
-            <a:avLst/>
-          </a:prstGeom>
-        </p:spPr>
-      </p:pic>
-    </p:spTree>
-    <p:extLst>
-      <p:ext uri="{BB962C8B-B14F-4D97-AF65-F5344CB8AC3E}">
-        <p14:creationId xmlns:p14="http://schemas.microsoft.com/office/powerpoint/2010/main" val="1481317059"/>
-      </p:ext>
-    </p:extLst>
-  </p:cSld>
-  <p:clrMapOvr>
-    <a:masterClrMapping/>
-  </p:clrMapOvr>
-</p:sld>
-</file>
-
-<file path=ppt/slides/slide16.xml><?xml version="1.0" encoding="utf-8"?>
-<p:sld xmlns:a="http://schemas.openxmlformats.org/drawingml/2006/main" xmlns:r="http://schemas.openxmlformats.org/officeDocument/2006/relationships" xmlns:p="http://schemas.openxmlformats.org/presentationml/2006/main">
-  <p:cSld>
-    <p:spTree>
-      <p:nvGrpSpPr>
-        <p:cNvPr id="1" name=""/>
-        <p:cNvGrpSpPr/>
-        <p:nvPr/>
-      </p:nvGrpSpPr>
-      <p:grpSpPr>
-        <a:xfrm>
-          <a:off x="0" y="0"/>
-          <a:ext cx="0" cy="0"/>
-          <a:chOff x="0" y="0"/>
-          <a:chExt cx="0" cy="0"/>
-        </a:xfrm>
-      </p:grpSpPr>
-      <p:sp>
-        <p:nvSpPr>
-          <p:cNvPr id="2" name="Title 1">
-            <a:extLst>
-              <a:ext uri="{FF2B5EF4-FFF2-40B4-BE49-F238E27FC236}">
-                <a16:creationId xmlns:a16="http://schemas.microsoft.com/office/drawing/2014/main" id="{9D7173E1-06DB-404D-9FBD-F49691F7F0E4}"/>
-              </a:ext>
-            </a:extLst>
-          </p:cNvPr>
-          <p:cNvSpPr>
-            <a:spLocks noGrp="1"/>
-          </p:cNvSpPr>
-          <p:nvPr>
-            <p:ph type="title"/>
-          </p:nvPr>
-        </p:nvSpPr>
-        <p:spPr/>
-        <p:txBody>
-          <a:bodyPr/>
-          <a:lstStyle/>
-          <a:p>
-            <a:r>
-              <a:rPr lang="en-IN" dirty="0"/>
-              <a:t>ROC AUC Curve</a:t>
-            </a:r>
-          </a:p>
-        </p:txBody>
-      </p:sp>
-      <p:sp>
-        <p:nvSpPr>
-          <p:cNvPr id="4" name="Content Placeholder 3">
-            <a:extLst>
-              <a:ext uri="{FF2B5EF4-FFF2-40B4-BE49-F238E27FC236}">
-                <a16:creationId xmlns:a16="http://schemas.microsoft.com/office/drawing/2014/main" id="{1DA33627-E49D-43B9-BB0C-FE6105DB882A}"/>
-              </a:ext>
-            </a:extLst>
-          </p:cNvPr>
-          <p:cNvSpPr>
-            <a:spLocks noGrp="1"/>
-          </p:cNvSpPr>
-          <p:nvPr>
-            <p:ph sz="half" idx="2"/>
-          </p:nvPr>
-        </p:nvSpPr>
-        <p:spPr/>
-        <p:txBody>
-          <a:bodyPr/>
-          <a:lstStyle/>
-          <a:p>
-            <a:r>
-              <a:rPr lang="en-IN" dirty="0"/>
-              <a:t>ROC AUC Curve shows how well the model has been able to separate out the classes</a:t>
-            </a:r>
-          </a:p>
-          <a:p>
-            <a:r>
-              <a:rPr lang="en-IN" dirty="0"/>
-              <a:t>ROC AUC Score of 0.84 shows the model has done a good job, but there is room for improvement.</a:t>
-            </a:r>
-          </a:p>
-        </p:txBody>
-      </p:sp>
-      <p:sp>
-        <p:nvSpPr>
-          <p:cNvPr id="5" name="Content Placeholder 4">
-            <a:extLst>
-              <a:ext uri="{FF2B5EF4-FFF2-40B4-BE49-F238E27FC236}">
-                <a16:creationId xmlns:a16="http://schemas.microsoft.com/office/drawing/2014/main" id="{7D2AB6D7-88C9-6393-A75B-8349F6D6F74B}"/>
-              </a:ext>
-            </a:extLst>
-          </p:cNvPr>
-          <p:cNvSpPr>
-            <a:spLocks noGrp="1"/>
-          </p:cNvSpPr>
-          <p:nvPr>
-            <p:ph sz="half" idx="1"/>
-          </p:nvPr>
-        </p:nvSpPr>
-        <p:spPr/>
-        <p:txBody>
-          <a:bodyPr/>
-          <a:lstStyle/>
-          <a:p>
-            <a:endParaRPr lang="en-US"/>
-          </a:p>
-        </p:txBody>
-      </p:sp>
-      <p:pic>
-        <p:nvPicPr>
-          <p:cNvPr id="7" name="Picture 6">
-            <a:extLst>
-              <a:ext uri="{FF2B5EF4-FFF2-40B4-BE49-F238E27FC236}">
-                <a16:creationId xmlns:a16="http://schemas.microsoft.com/office/drawing/2014/main" id="{188210D3-110D-94C6-6F0D-248C333B77B1}"/>
-              </a:ext>
-            </a:extLst>
-          </p:cNvPr>
-          <p:cNvPicPr>
-            <a:picLocks noChangeAspect="1"/>
-          </p:cNvPicPr>
-          <p:nvPr/>
-        </p:nvPicPr>
-        <p:blipFill>
-          <a:blip r:embed="rId2"/>
-          <a:stretch>
-            <a:fillRect/>
-          </a:stretch>
-        </p:blipFill>
-        <p:spPr>
-          <a:xfrm>
-            <a:off x="818711" y="2222287"/>
-            <a:ext cx="5185873" cy="3638763"/>
-          </a:xfrm>
-          <a:prstGeom prst="rect">
-            <a:avLst/>
-          </a:prstGeom>
-        </p:spPr>
-      </p:pic>
-    </p:spTree>
-    <p:extLst>
-      <p:ext uri="{BB962C8B-B14F-4D97-AF65-F5344CB8AC3E}">
-        <p14:creationId xmlns:p14="http://schemas.microsoft.com/office/powerpoint/2010/main" val="784339373"/>
-      </p:ext>
-    </p:extLst>
-  </p:cSld>
-  <p:clrMapOvr>
-    <a:masterClrMapping/>
-  </p:clrMapOvr>
-</p:sld>
-</file>
-
-<file path=ppt/slides/slide17.xml><?xml version="1.0" encoding="utf-8"?>
-<p:sld xmlns:a="http://schemas.openxmlformats.org/drawingml/2006/main" xmlns:r="http://schemas.openxmlformats.org/officeDocument/2006/relationships" xmlns:p="http://schemas.openxmlformats.org/presentationml/2006/main">
-  <p:cSld>
-    <p:bg>
-      <p:bgPr>
-        <a:solidFill>
-          <a:schemeClr val="bg1"/>
-        </a:solidFill>
-        <a:effectLst/>
-      </p:bgPr>
-    </p:bg>
-    <p:spTree>
-      <p:nvGrpSpPr>
-        <p:cNvPr id="1" name=""/>
-        <p:cNvGrpSpPr/>
-        <p:nvPr/>
-      </p:nvGrpSpPr>
-      <p:grpSpPr>
-        <a:xfrm>
-          <a:off x="0" y="0"/>
-          <a:ext cx="0" cy="0"/>
-          <a:chOff x="0" y="0"/>
-          <a:chExt cx="0" cy="0"/>
-        </a:xfrm>
-      </p:grpSpPr>
-      <p:sp useBgFill="1">
-        <p:nvSpPr>
-          <p:cNvPr id="10" name="Rectangle 9">
-            <a:extLst>
-              <a:ext uri="{FF2B5EF4-FFF2-40B4-BE49-F238E27FC236}">
-                <a16:creationId xmlns:a16="http://schemas.microsoft.com/office/drawing/2014/main" id="{F1E0D4A3-ECB8-4689-ABDB-9CE848CE83B9}"/>
-              </a:ext>
-              <a:ext uri="{C183D7F6-B498-43B3-948B-1728B52AA6E4}">
-                <adec:decorative xmlns:adec="http://schemas.microsoft.com/office/drawing/2017/decorative" val="1"/>
-              </a:ext>
-            </a:extLst>
-          </p:cNvPr>
-          <p:cNvSpPr>
-            <a:spLocks noGrp="1" noRot="1" noChangeAspect="1" noMove="1" noResize="1" noEditPoints="1" noAdjustHandles="1" noChangeArrowheads="1" noChangeShapeType="1" noTextEdit="1"/>
-          </p:cNvSpPr>
-          <p:nvPr>
-            <p:extLst>
-              <p:ext uri="{386F3935-93C4-4BCD-93E2-E3B085C9AB24}">
-                <p16:designElem xmlns:p16="http://schemas.microsoft.com/office/powerpoint/2015/main" val="1"/>
-              </p:ext>
-            </p:extLst>
-          </p:nvPr>
-        </p:nvSpPr>
-        <p:spPr>
-          <a:xfrm>
-            <a:off x="0" y="0"/>
-            <a:ext cx="12192000" cy="6858000"/>
-          </a:xfrm>
-          <a:prstGeom prst="rect">
-            <a:avLst/>
-          </a:prstGeom>
-          <a:ln>
-            <a:noFill/>
-          </a:ln>
-        </p:spPr>
-        <p:style>
-          <a:lnRef idx="2">
-            <a:schemeClr val="accent1">
-              <a:shade val="50000"/>
-            </a:schemeClr>
-          </a:lnRef>
-          <a:fillRef idx="1">
-            <a:schemeClr val="accent1"/>
-          </a:fillRef>
-          <a:effectRef idx="0">
-            <a:schemeClr val="accent1"/>
-          </a:effectRef>
-          <a:fontRef idx="minor">
-            <a:schemeClr val="lt1"/>
-          </a:fontRef>
-        </p:style>
-        <p:txBody>
-          <a:bodyPr rtlCol="0" anchor="ctr"/>
-          <a:lstStyle/>
-          <a:p>
-            <a:pPr algn="ctr"/>
-            <a:endParaRPr lang="en-US"/>
-          </a:p>
-        </p:txBody>
-      </p:sp>
-      <p:sp>
-        <p:nvSpPr>
-          <p:cNvPr id="4" name="Title 3">
-            <a:extLst>
-              <a:ext uri="{FF2B5EF4-FFF2-40B4-BE49-F238E27FC236}">
-                <a16:creationId xmlns:a16="http://schemas.microsoft.com/office/drawing/2014/main" id="{7D16F7F2-F79D-453E-9F9F-3DCBCDBACDB8}"/>
-              </a:ext>
-            </a:extLst>
-          </p:cNvPr>
-          <p:cNvSpPr>
-            <a:spLocks noGrp="1"/>
-          </p:cNvSpPr>
-          <p:nvPr>
-            <p:ph type="title"/>
-          </p:nvPr>
-        </p:nvSpPr>
-        <p:spPr>
-          <a:xfrm>
-            <a:off x="810000" y="447188"/>
-            <a:ext cx="10571998" cy="970450"/>
-          </a:xfrm>
-          <a:effectLst/>
-        </p:spPr>
-        <p:txBody>
-          <a:bodyPr anchor="ctr">
-            <a:normAutofit/>
-          </a:bodyPr>
-          <a:lstStyle/>
-          <a:p>
-            <a:pPr algn="ctr"/>
-            <a:r>
-              <a:rPr lang="en-IN" sz="2800">
-                <a:solidFill>
-                  <a:schemeClr val="tx1"/>
-                </a:solidFill>
-              </a:rPr>
-              <a:t>Insights and Business Decisions</a:t>
-            </a:r>
-          </a:p>
-        </p:txBody>
-      </p:sp>
-      <p:sp>
-        <p:nvSpPr>
-          <p:cNvPr id="12" name="Freeform: Shape 11">
-            <a:extLst>
-              <a:ext uri="{FF2B5EF4-FFF2-40B4-BE49-F238E27FC236}">
-                <a16:creationId xmlns:a16="http://schemas.microsoft.com/office/drawing/2014/main" id="{8854772B-9C8F-4037-89E0-3A45208AB395}"/>
-              </a:ext>
-              <a:ext uri="{C183D7F6-B498-43B3-948B-1728B52AA6E4}">
-                <adec:decorative xmlns:adec="http://schemas.microsoft.com/office/drawing/2017/decorative" val="1"/>
-              </a:ext>
-            </a:extLst>
-          </p:cNvPr>
-          <p:cNvSpPr>
-            <a:spLocks noGrp="1" noRot="1" noChangeAspect="1" noMove="1" noResize="1" noEditPoints="1" noAdjustHandles="1" noChangeArrowheads="1" noChangeShapeType="1" noTextEdit="1"/>
-          </p:cNvSpPr>
-          <p:nvPr>
-            <p:extLst>
-              <p:ext uri="{386F3935-93C4-4BCD-93E2-E3B085C9AB24}">
-                <p16:designElem xmlns:p16="http://schemas.microsoft.com/office/powerpoint/2015/main" val="1"/>
-              </p:ext>
-            </p:extLst>
-          </p:nvPr>
-        </p:nvSpPr>
-        <p:spPr>
-          <a:xfrm>
-            <a:off x="637093" y="1576408"/>
-            <a:ext cx="10917814" cy="4638125"/>
-          </a:xfrm>
-          <a:custGeom>
-            <a:avLst/>
-            <a:gdLst>
-              <a:gd name="connsiteX0" fmla="*/ 5441025 w 10917814"/>
-              <a:gd name="connsiteY0" fmla="*/ 0 h 4638125"/>
-              <a:gd name="connsiteX1" fmla="*/ 5453725 w 10917814"/>
-              <a:gd name="connsiteY1" fmla="*/ 0 h 4638125"/>
-              <a:gd name="connsiteX2" fmla="*/ 5464308 w 10917814"/>
-              <a:gd name="connsiteY2" fmla="*/ 0 h 4638125"/>
-              <a:gd name="connsiteX3" fmla="*/ 5477009 w 10917814"/>
-              <a:gd name="connsiteY3" fmla="*/ 4762 h 4638125"/>
-              <a:gd name="connsiteX4" fmla="*/ 5489708 w 10917814"/>
-              <a:gd name="connsiteY4" fmla="*/ 9525 h 4638125"/>
-              <a:gd name="connsiteX5" fmla="*/ 5498175 w 10917814"/>
-              <a:gd name="connsiteY5" fmla="*/ 12700 h 4638125"/>
-              <a:gd name="connsiteX6" fmla="*/ 5865801 w 10917814"/>
-              <a:gd name="connsiteY6" fmla="*/ 288419 h 4638125"/>
-              <a:gd name="connsiteX7" fmla="*/ 10765009 w 10917814"/>
-              <a:gd name="connsiteY7" fmla="*/ 288419 h 4638125"/>
-              <a:gd name="connsiteX8" fmla="*/ 10917814 w 10917814"/>
-              <a:gd name="connsiteY8" fmla="*/ 441224 h 4638125"/>
-              <a:gd name="connsiteX9" fmla="*/ 10917814 w 10917814"/>
-              <a:gd name="connsiteY9" fmla="*/ 4485320 h 4638125"/>
-              <a:gd name="connsiteX10" fmla="*/ 10765009 w 10917814"/>
-              <a:gd name="connsiteY10" fmla="*/ 4638125 h 4638125"/>
-              <a:gd name="connsiteX11" fmla="*/ 152805 w 10917814"/>
-              <a:gd name="connsiteY11" fmla="*/ 4638125 h 4638125"/>
-              <a:gd name="connsiteX12" fmla="*/ 0 w 10917814"/>
-              <a:gd name="connsiteY12" fmla="*/ 4485320 h 4638125"/>
-              <a:gd name="connsiteX13" fmla="*/ 0 w 10917814"/>
-              <a:gd name="connsiteY13" fmla="*/ 441224 h 4638125"/>
-              <a:gd name="connsiteX14" fmla="*/ 152805 w 10917814"/>
-              <a:gd name="connsiteY14" fmla="*/ 288419 h 4638125"/>
-              <a:gd name="connsiteX15" fmla="*/ 5041650 w 10917814"/>
-              <a:gd name="connsiteY15" fmla="*/ 288419 h 4638125"/>
-              <a:gd name="connsiteX16" fmla="*/ 5409275 w 10917814"/>
-              <a:gd name="connsiteY16" fmla="*/ 12700 h 4638125"/>
-              <a:gd name="connsiteX17" fmla="*/ 5417742 w 10917814"/>
-              <a:gd name="connsiteY17" fmla="*/ 9525 h 4638125"/>
-              <a:gd name="connsiteX18" fmla="*/ 5430442 w 10917814"/>
-              <a:gd name="connsiteY18" fmla="*/ 4762 h 4638125"/>
-            </a:gdLst>
-            <a:ahLst/>
-            <a:cxnLst>
-              <a:cxn ang="0">
-                <a:pos x="connsiteX0" y="connsiteY0"/>
-              </a:cxn>
-              <a:cxn ang="0">
-                <a:pos x="connsiteX1" y="connsiteY1"/>
-              </a:cxn>
-              <a:cxn ang="0">
-                <a:pos x="connsiteX2" y="connsiteY2"/>
-              </a:cxn>
-              <a:cxn ang="0">
-                <a:pos x="connsiteX3" y="connsiteY3"/>
-              </a:cxn>
-              <a:cxn ang="0">
-                <a:pos x="connsiteX4" y="connsiteY4"/>
-              </a:cxn>
-              <a:cxn ang="0">
-                <a:pos x="connsiteX5" y="connsiteY5"/>
-              </a:cxn>
-              <a:cxn ang="0">
-                <a:pos x="connsiteX6" y="connsiteY6"/>
-              </a:cxn>
-              <a:cxn ang="0">
-                <a:pos x="connsiteX7" y="connsiteY7"/>
-              </a:cxn>
-              <a:cxn ang="0">
-                <a:pos x="connsiteX8" y="connsiteY8"/>
-              </a:cxn>
-              <a:cxn ang="0">
-                <a:pos x="connsiteX9" y="connsiteY9"/>
-              </a:cxn>
-              <a:cxn ang="0">
-                <a:pos x="connsiteX10" y="connsiteY10"/>
-              </a:cxn>
-              <a:cxn ang="0">
-                <a:pos x="connsiteX11" y="connsiteY11"/>
-              </a:cxn>
-              <a:cxn ang="0">
-                <a:pos x="connsiteX12" y="connsiteY12"/>
-              </a:cxn>
-              <a:cxn ang="0">
-                <a:pos x="connsiteX13" y="connsiteY13"/>
-              </a:cxn>
-              <a:cxn ang="0">
-                <a:pos x="connsiteX14" y="connsiteY14"/>
-              </a:cxn>
-              <a:cxn ang="0">
-                <a:pos x="connsiteX15" y="connsiteY15"/>
-              </a:cxn>
-              <a:cxn ang="0">
-                <a:pos x="connsiteX16" y="connsiteY16"/>
-              </a:cxn>
-              <a:cxn ang="0">
-                <a:pos x="connsiteX17" y="connsiteY17"/>
-              </a:cxn>
-              <a:cxn ang="0">
-                <a:pos x="connsiteX18" y="connsiteY18"/>
-              </a:cxn>
-            </a:cxnLst>
-            <a:rect l="l" t="t" r="r" b="b"/>
-            <a:pathLst>
-              <a:path w="10917814" h="4638125">
-                <a:moveTo>
-                  <a:pt x="5441025" y="0"/>
-                </a:moveTo>
-                <a:lnTo>
-                  <a:pt x="5453725" y="0"/>
-                </a:lnTo>
-                <a:lnTo>
-                  <a:pt x="5464308" y="0"/>
-                </a:lnTo>
-                <a:lnTo>
-                  <a:pt x="5477009" y="4762"/>
-                </a:lnTo>
-                <a:lnTo>
-                  <a:pt x="5489708" y="9525"/>
-                </a:lnTo>
-                <a:lnTo>
-                  <a:pt x="5498175" y="12700"/>
-                </a:lnTo>
-                <a:lnTo>
-                  <a:pt x="5865801" y="288419"/>
-                </a:lnTo>
-                <a:lnTo>
-                  <a:pt x="10765009" y="288419"/>
-                </a:lnTo>
-                <a:cubicBezTo>
-                  <a:pt x="10849401" y="288419"/>
-                  <a:pt x="10917814" y="356832"/>
-                  <a:pt x="10917814" y="441224"/>
-                </a:cubicBezTo>
-                <a:lnTo>
-                  <a:pt x="10917814" y="4485320"/>
-                </a:lnTo>
-                <a:cubicBezTo>
-                  <a:pt x="10917814" y="4569712"/>
-                  <a:pt x="10849401" y="4638125"/>
-                  <a:pt x="10765009" y="4638125"/>
-                </a:cubicBezTo>
-                <a:lnTo>
-                  <a:pt x="152805" y="4638125"/>
-                </a:lnTo>
-                <a:cubicBezTo>
-                  <a:pt x="68413" y="4638125"/>
-                  <a:pt x="0" y="4569712"/>
-                  <a:pt x="0" y="4485320"/>
-                </a:cubicBezTo>
-                <a:lnTo>
-                  <a:pt x="0" y="441224"/>
-                </a:lnTo>
-                <a:cubicBezTo>
-                  <a:pt x="0" y="356832"/>
-                  <a:pt x="68413" y="288419"/>
-                  <a:pt x="152805" y="288419"/>
-                </a:cubicBezTo>
-                <a:lnTo>
-                  <a:pt x="5041650" y="288419"/>
-                </a:lnTo>
-                <a:lnTo>
-                  <a:pt x="5409275" y="12700"/>
-                </a:lnTo>
-                <a:lnTo>
-                  <a:pt x="5417742" y="9525"/>
-                </a:lnTo>
-                <a:lnTo>
-                  <a:pt x="5430442" y="4762"/>
-                </a:lnTo>
-                <a:close/>
-              </a:path>
-            </a:pathLst>
-          </a:custGeom>
-          <a:noFill/>
-          <a:ln w="38100">
-            <a:solidFill>
-              <a:schemeClr val="accent1"/>
-            </a:solidFill>
-          </a:ln>
-          <a:effectLst/>
-        </p:spPr>
-        <p:style>
-          <a:lnRef idx="2">
-            <a:schemeClr val="accent1">
-              <a:shade val="50000"/>
-            </a:schemeClr>
-          </a:lnRef>
-          <a:fillRef idx="1">
-            <a:schemeClr val="accent1"/>
-          </a:fillRef>
-          <a:effectRef idx="0">
-            <a:schemeClr val="accent1"/>
-          </a:effectRef>
-          <a:fontRef idx="minor">
-            <a:schemeClr val="lt1"/>
-          </a:fontRef>
-        </p:style>
-        <p:txBody>
-          <a:bodyPr wrap="square" rtlCol="0" anchor="ctr">
-            <a:noAutofit/>
-          </a:bodyPr>
-          <a:lstStyle/>
-          <a:p>
-            <a:pPr algn="ctr"/>
-            <a:endParaRPr lang="en-US"/>
-          </a:p>
-        </p:txBody>
-      </p:sp>
-      <p:sp>
-        <p:nvSpPr>
-          <p:cNvPr id="5" name="Content Placeholder 4">
-            <a:extLst>
-              <a:ext uri="{FF2B5EF4-FFF2-40B4-BE49-F238E27FC236}">
-                <a16:creationId xmlns:a16="http://schemas.microsoft.com/office/drawing/2014/main" id="{6EAAE3C0-5DD1-484C-948C-E89AF7B899E7}"/>
-              </a:ext>
-            </a:extLst>
-          </p:cNvPr>
-          <p:cNvSpPr>
-            <a:spLocks noGrp="1"/>
-          </p:cNvSpPr>
-          <p:nvPr>
-            <p:ph idx="1"/>
-          </p:nvPr>
-        </p:nvSpPr>
-        <p:spPr>
-          <a:xfrm>
-            <a:off x="1115732" y="2222287"/>
-            <a:ext cx="9966953" cy="3636511"/>
-          </a:xfrm>
-          <a:effectLst/>
-        </p:spPr>
-        <p:txBody>
-          <a:bodyPr>
-            <a:normAutofit/>
-          </a:bodyPr>
-          <a:lstStyle/>
-          <a:p>
-            <a:pPr>
-              <a:lnSpc>
-                <a:spcPct val="90000"/>
-              </a:lnSpc>
-            </a:pPr>
-            <a:r>
-              <a:rPr lang="en-IN" dirty="0"/>
-              <a:t>Claims to be targeted:</a:t>
-            </a:r>
-          </a:p>
-          <a:p>
-            <a:pPr lvl="1">
-              <a:lnSpc>
-                <a:spcPct val="90000"/>
-              </a:lnSpc>
-            </a:pPr>
-            <a:r>
-              <a:rPr lang="en-IN" dirty="0"/>
-              <a:t>Having </a:t>
-            </a:r>
-            <a:r>
-              <a:rPr lang="en-IN" dirty="0" err="1"/>
-              <a:t>atleast</a:t>
-            </a:r>
-            <a:r>
-              <a:rPr lang="en-IN" dirty="0"/>
-              <a:t> one witness</a:t>
-            </a:r>
-          </a:p>
-          <a:p>
-            <a:pPr lvl="1">
-              <a:lnSpc>
-                <a:spcPct val="90000"/>
-              </a:lnSpc>
-            </a:pPr>
-            <a:r>
-              <a:rPr lang="en-IN" dirty="0"/>
-              <a:t>Insured has a hobby of Chess or CrossFit</a:t>
-            </a:r>
-          </a:p>
-          <a:p>
-            <a:pPr lvl="1">
-              <a:lnSpc>
-                <a:spcPct val="90000"/>
-              </a:lnSpc>
-            </a:pPr>
-            <a:r>
-              <a:rPr lang="en-IN" dirty="0"/>
-              <a:t>Insureds listing their occupation as Exec- Managers</a:t>
-            </a:r>
-          </a:p>
-          <a:p>
-            <a:pPr lvl="1">
-              <a:lnSpc>
-                <a:spcPct val="90000"/>
-              </a:lnSpc>
-            </a:pPr>
-            <a:r>
-              <a:rPr lang="en-IN" dirty="0"/>
-              <a:t>Insureds reporting claims for major damage</a:t>
-            </a:r>
-          </a:p>
-          <a:p>
-            <a:pPr lvl="1">
-              <a:lnSpc>
-                <a:spcPct val="90000"/>
-              </a:lnSpc>
-            </a:pPr>
-            <a:r>
-              <a:rPr lang="en-IN" dirty="0"/>
-              <a:t>Claim amount and insured education level are also important features as evidenced by model feature importance</a:t>
-            </a:r>
-          </a:p>
-        </p:txBody>
-      </p:sp>
-    </p:spTree>
-    <p:extLst>
-      <p:ext uri="{BB962C8B-B14F-4D97-AF65-F5344CB8AC3E}">
-        <p14:creationId xmlns:p14="http://schemas.microsoft.com/office/powerpoint/2010/main" val="2523828589"/>
-      </p:ext>
-    </p:extLst>
-  </p:cSld>
-  <p:clrMapOvr>
-    <a:overrideClrMapping bg1="lt1" tx1="dk1" bg2="lt2" tx2="dk2" accent1="accent1" accent2="accent2" accent3="accent3" accent4="accent4" accent5="accent5" accent6="accent6" hlink="hlink" folHlink="folHlink"/>
-  </p:clrMapOvr>
-</p:sld>
-</file>
-
 <file path=ppt/slides/slide2.xml><?xml version="1.0" encoding="utf-8"?>
 <p:sld xmlns:a="http://schemas.openxmlformats.org/drawingml/2006/main" xmlns:r="http://schemas.openxmlformats.org/officeDocument/2006/relationships" xmlns:p="http://schemas.openxmlformats.org/presentationml/2006/main">
   <p:cSld>
@@ -13641,661 +10825,6 @@
     <p:extLst>
       <p:ext uri="{BB962C8B-B14F-4D97-AF65-F5344CB8AC3E}">
         <p14:creationId xmlns:p14="http://schemas.microsoft.com/office/powerpoint/2010/main" val="760833526"/>
-      </p:ext>
-    </p:extLst>
-  </p:cSld>
-  <p:clrMapOvr>
-    <a:overrideClrMapping bg1="lt1" tx1="dk1" bg2="lt2" tx2="dk2" accent1="accent1" accent2="accent2" accent3="accent3" accent4="accent4" accent5="accent5" accent6="accent6" hlink="hlink" folHlink="folHlink"/>
-  </p:clrMapOvr>
-</p:sld>
-</file>
-
-<file path=ppt/slides/slide8.xml><?xml version="1.0" encoding="utf-8"?>
-<p:sld xmlns:a="http://schemas.openxmlformats.org/drawingml/2006/main" xmlns:r="http://schemas.openxmlformats.org/officeDocument/2006/relationships" xmlns:p="http://schemas.openxmlformats.org/presentationml/2006/main">
-  <p:cSld>
-    <p:spTree>
-      <p:nvGrpSpPr>
-        <p:cNvPr id="1" name=""/>
-        <p:cNvGrpSpPr/>
-        <p:nvPr/>
-      </p:nvGrpSpPr>
-      <p:grpSpPr>
-        <a:xfrm>
-          <a:off x="0" y="0"/>
-          <a:ext cx="0" cy="0"/>
-          <a:chOff x="0" y="0"/>
-          <a:chExt cx="0" cy="0"/>
-        </a:xfrm>
-      </p:grpSpPr>
-      <p:sp>
-        <p:nvSpPr>
-          <p:cNvPr id="4" name="Title 3">
-            <a:extLst>
-              <a:ext uri="{FF2B5EF4-FFF2-40B4-BE49-F238E27FC236}">
-                <a16:creationId xmlns:a16="http://schemas.microsoft.com/office/drawing/2014/main" id="{87F5E102-2802-4397-B7B2-0A0A14FCC4E3}"/>
-              </a:ext>
-            </a:extLst>
-          </p:cNvPr>
-          <p:cNvSpPr>
-            <a:spLocks noGrp="1"/>
-          </p:cNvSpPr>
-          <p:nvPr>
-            <p:ph type="title"/>
-          </p:nvPr>
-        </p:nvSpPr>
-        <p:spPr>
-          <a:xfrm>
-            <a:off x="614964" y="349534"/>
-            <a:ext cx="10571998" cy="970450"/>
-          </a:xfrm>
-        </p:spPr>
-        <p:txBody>
-          <a:bodyPr/>
-          <a:lstStyle/>
-          <a:p>
-            <a:r>
-              <a:rPr lang="en-IN" sz="2900" dirty="0"/>
-              <a:t>Distribution of </a:t>
-            </a:r>
-            <a:r>
-              <a:rPr lang="en-IN" sz="2900" dirty="0" err="1"/>
-              <a:t>policy_annual_premium</a:t>
-            </a:r>
-            <a:r>
-              <a:rPr lang="en-IN" sz="2900" dirty="0"/>
-              <a:t> and vehicle claim</a:t>
-            </a:r>
-          </a:p>
-        </p:txBody>
-      </p:sp>
-      <p:pic>
-        <p:nvPicPr>
-          <p:cNvPr id="10" name="Content Placeholder 9">
-            <a:extLst>
-              <a:ext uri="{FF2B5EF4-FFF2-40B4-BE49-F238E27FC236}">
-                <a16:creationId xmlns:a16="http://schemas.microsoft.com/office/drawing/2014/main" id="{082154F3-0FDB-902B-E0E5-A8737AC5C8A5}"/>
-              </a:ext>
-            </a:extLst>
-          </p:cNvPr>
-          <p:cNvPicPr>
-            <a:picLocks noGrp="1" noChangeAspect="1"/>
-          </p:cNvPicPr>
-          <p:nvPr>
-            <p:ph sz="half" idx="2"/>
-          </p:nvPr>
-        </p:nvPicPr>
-        <p:blipFill>
-          <a:blip r:embed="rId2"/>
-          <a:stretch>
-            <a:fillRect/>
-          </a:stretch>
-        </p:blipFill>
-        <p:spPr>
-          <a:xfrm>
-            <a:off x="6605814" y="2543174"/>
-            <a:ext cx="5194300" cy="3113042"/>
-          </a:xfrm>
-        </p:spPr>
-      </p:pic>
-      <p:pic>
-        <p:nvPicPr>
-          <p:cNvPr id="3" name="Picture 2">
-            <a:extLst>
-              <a:ext uri="{FF2B5EF4-FFF2-40B4-BE49-F238E27FC236}">
-                <a16:creationId xmlns:a16="http://schemas.microsoft.com/office/drawing/2014/main" id="{13963098-4F26-F328-D831-3DBBED8813D5}"/>
-              </a:ext>
-            </a:extLst>
-          </p:cNvPr>
-          <p:cNvPicPr>
-            <a:picLocks noChangeAspect="1"/>
-          </p:cNvPicPr>
-          <p:nvPr/>
-        </p:nvPicPr>
-        <p:blipFill>
-          <a:blip r:embed="rId3"/>
-          <a:stretch>
-            <a:fillRect/>
-          </a:stretch>
-        </p:blipFill>
-        <p:spPr>
-          <a:xfrm>
-            <a:off x="391886" y="2543174"/>
-            <a:ext cx="5795529" cy="2969352"/>
-          </a:xfrm>
-          <a:prstGeom prst="rect">
-            <a:avLst/>
-          </a:prstGeom>
-        </p:spPr>
-      </p:pic>
-      <p:sp>
-        <p:nvSpPr>
-          <p:cNvPr id="8" name="Content Placeholder 7">
-            <a:extLst>
-              <a:ext uri="{FF2B5EF4-FFF2-40B4-BE49-F238E27FC236}">
-                <a16:creationId xmlns:a16="http://schemas.microsoft.com/office/drawing/2014/main" id="{912565B0-3454-78FA-D190-E4A79C84595C}"/>
-              </a:ext>
-            </a:extLst>
-          </p:cNvPr>
-          <p:cNvSpPr>
-            <a:spLocks noGrp="1"/>
-          </p:cNvSpPr>
-          <p:nvPr>
-            <p:ph sz="half" idx="1"/>
-          </p:nvPr>
-        </p:nvSpPr>
-        <p:spPr/>
-        <p:txBody>
-          <a:bodyPr/>
-          <a:lstStyle/>
-          <a:p>
-            <a:endParaRPr lang="en-US" dirty="0"/>
-          </a:p>
-        </p:txBody>
-      </p:sp>
-    </p:spTree>
-    <p:extLst>
-      <p:ext uri="{BB962C8B-B14F-4D97-AF65-F5344CB8AC3E}">
-        <p14:creationId xmlns:p14="http://schemas.microsoft.com/office/powerpoint/2010/main" val="3730299187"/>
-      </p:ext>
-    </p:extLst>
-  </p:cSld>
-  <p:clrMapOvr>
-    <a:masterClrMapping/>
-  </p:clrMapOvr>
-</p:sld>
-</file>
-
-<file path=ppt/slides/slide9.xml><?xml version="1.0" encoding="utf-8"?>
-<p:sld xmlns:a="http://schemas.openxmlformats.org/drawingml/2006/main" xmlns:r="http://schemas.openxmlformats.org/officeDocument/2006/relationships" xmlns:p="http://schemas.openxmlformats.org/presentationml/2006/main">
-  <p:cSld>
-    <p:bg>
-      <p:bgPr>
-        <a:solidFill>
-          <a:schemeClr val="bg1"/>
-        </a:solidFill>
-        <a:effectLst/>
-      </p:bgPr>
-    </p:bg>
-    <p:spTree>
-      <p:nvGrpSpPr>
-        <p:cNvPr id="1" name=""/>
-        <p:cNvGrpSpPr/>
-        <p:nvPr/>
-      </p:nvGrpSpPr>
-      <p:grpSpPr>
-        <a:xfrm>
-          <a:off x="0" y="0"/>
-          <a:ext cx="0" cy="0"/>
-          <a:chOff x="0" y="0"/>
-          <a:chExt cx="0" cy="0"/>
-        </a:xfrm>
-      </p:grpSpPr>
-      <p:sp>
-        <p:nvSpPr>
-          <p:cNvPr id="10" name="Freeform 6">
-            <a:extLst>
-              <a:ext uri="{FF2B5EF4-FFF2-40B4-BE49-F238E27FC236}">
-                <a16:creationId xmlns:a16="http://schemas.microsoft.com/office/drawing/2014/main" id="{8775F366-526C-4C42-8931-696FFE8AA517}"/>
-              </a:ext>
-              <a:ext uri="{C183D7F6-B498-43B3-948B-1728B52AA6E4}">
-                <adec:decorative xmlns:adec="http://schemas.microsoft.com/office/drawing/2017/decorative" val="1"/>
-              </a:ext>
-            </a:extLst>
-          </p:cNvPr>
-          <p:cNvSpPr>
-            <a:spLocks noGrp="1" noRot="1" noChangeAspect="1" noMove="1" noResize="1" noEditPoints="1" noAdjustHandles="1" noChangeArrowheads="1" noChangeShapeType="1" noTextEdit="1"/>
-          </p:cNvSpPr>
-          <p:nvPr>
-            <p:extLst>
-              <p:ext uri="{386F3935-93C4-4BCD-93E2-E3B085C9AB24}">
-                <p16:designElem xmlns:p16="http://schemas.microsoft.com/office/powerpoint/2015/main" val="1"/>
-              </p:ext>
-            </p:extLst>
-          </p:nvPr>
-        </p:nvSpPr>
-        <p:spPr bwMode="auto">
-          <a:xfrm>
-            <a:off x="0" y="-3175"/>
-            <a:ext cx="12192000" cy="5203825"/>
-          </a:xfrm>
-          <a:custGeom>
-            <a:avLst/>
-            <a:gdLst/>
-            <a:ahLst/>
-            <a:cxnLst/>
-            <a:rect l="0" t="0" r="r" b="b"/>
-            <a:pathLst>
-              <a:path w="5760" h="3278">
-                <a:moveTo>
-                  <a:pt x="5760" y="0"/>
-                </a:moveTo>
-                <a:lnTo>
-                  <a:pt x="0" y="0"/>
-                </a:lnTo>
-                <a:lnTo>
-                  <a:pt x="0" y="3090"/>
-                </a:lnTo>
-                <a:lnTo>
-                  <a:pt x="943" y="3090"/>
-                </a:lnTo>
-                <a:lnTo>
-                  <a:pt x="1123" y="3270"/>
-                </a:lnTo>
-                <a:lnTo>
-                  <a:pt x="1123" y="3270"/>
-                </a:lnTo>
-                <a:lnTo>
-                  <a:pt x="1127" y="3272"/>
-                </a:lnTo>
-                <a:lnTo>
-                  <a:pt x="1133" y="3275"/>
-                </a:lnTo>
-                <a:lnTo>
-                  <a:pt x="1139" y="3278"/>
-                </a:lnTo>
-                <a:lnTo>
-                  <a:pt x="1144" y="3278"/>
-                </a:lnTo>
-                <a:lnTo>
-                  <a:pt x="1150" y="3278"/>
-                </a:lnTo>
-                <a:lnTo>
-                  <a:pt x="1155" y="3275"/>
-                </a:lnTo>
-                <a:lnTo>
-                  <a:pt x="1161" y="3272"/>
-                </a:lnTo>
-                <a:lnTo>
-                  <a:pt x="1165" y="3270"/>
-                </a:lnTo>
-                <a:lnTo>
-                  <a:pt x="1345" y="3090"/>
-                </a:lnTo>
-                <a:lnTo>
-                  <a:pt x="5760" y="3090"/>
-                </a:lnTo>
-                <a:lnTo>
-                  <a:pt x="5760" y="0"/>
-                </a:lnTo>
-                <a:close/>
-              </a:path>
-            </a:pathLst>
-          </a:custGeom>
-          <a:ln/>
-          <a:effectLst/>
-          <a:extLst>
-            <a:ext uri="{91240B29-F687-4f45-9708-019B960494DF}">
-              <a14:hiddenLine xmlns="" xmlns:a14="http://schemas.microsoft.com/office/drawing/2010/main" xmlns:a16="http://schemas.microsoft.com/office/drawing/2014/main" w="9525">
-                <a:solidFill>
-                  <a:srgbClr val="000000"/>
-                </a:solidFill>
-                <a:round/>
-                <a:headEnd/>
-                <a:tailEnd/>
-              </a14:hiddenLine>
-            </a:ext>
-          </a:extLst>
-        </p:spPr>
-        <p:style>
-          <a:lnRef idx="1">
-            <a:schemeClr val="accent1"/>
-          </a:lnRef>
-          <a:fillRef idx="3">
-            <a:schemeClr val="accent1"/>
-          </a:fillRef>
-          <a:effectRef idx="2">
-            <a:schemeClr val="accent1"/>
-          </a:effectRef>
-          <a:fontRef idx="minor">
-            <a:schemeClr val="lt1"/>
-          </a:fontRef>
-        </p:style>
-        <p:txBody>
-          <a:bodyPr/>
-          <a:lstStyle/>
-          <a:p>
-            <a:endParaRPr lang="en-US"/>
-          </a:p>
-        </p:txBody>
-      </p:sp>
-      <p:sp useBgFill="1">
-        <p:nvSpPr>
-          <p:cNvPr id="12" name="Rectangle 11">
-            <a:extLst>
-              <a:ext uri="{FF2B5EF4-FFF2-40B4-BE49-F238E27FC236}">
-                <a16:creationId xmlns:a16="http://schemas.microsoft.com/office/drawing/2014/main" id="{597EA66B-2AAB-42B0-9F9D-38920D8D82D7}"/>
-              </a:ext>
-              <a:ext uri="{C183D7F6-B498-43B3-948B-1728B52AA6E4}">
-                <adec:decorative xmlns:adec="http://schemas.microsoft.com/office/drawing/2017/decorative" val="1"/>
-              </a:ext>
-            </a:extLst>
-          </p:cNvPr>
-          <p:cNvSpPr>
-            <a:spLocks noGrp="1" noRot="1" noChangeAspect="1" noMove="1" noResize="1" noEditPoints="1" noAdjustHandles="1" noChangeArrowheads="1" noChangeShapeType="1" noTextEdit="1"/>
-          </p:cNvSpPr>
-          <p:nvPr>
-            <p:extLst>
-              <p:ext uri="{386F3935-93C4-4BCD-93E2-E3B085C9AB24}">
-                <p16:designElem xmlns:p16="http://schemas.microsoft.com/office/powerpoint/2015/main" val="1"/>
-              </p:ext>
-            </p:extLst>
-          </p:nvPr>
-        </p:nvSpPr>
-        <p:spPr>
-          <a:xfrm>
-            <a:off x="0" y="0"/>
-            <a:ext cx="12192000" cy="6858000"/>
-          </a:xfrm>
-          <a:prstGeom prst="rect">
-            <a:avLst/>
-          </a:prstGeom>
-          <a:ln>
-            <a:noFill/>
-          </a:ln>
-        </p:spPr>
-        <p:style>
-          <a:lnRef idx="2">
-            <a:schemeClr val="accent1">
-              <a:shade val="50000"/>
-            </a:schemeClr>
-          </a:lnRef>
-          <a:fillRef idx="1">
-            <a:schemeClr val="accent1"/>
-          </a:fillRef>
-          <a:effectRef idx="0">
-            <a:schemeClr val="accent1"/>
-          </a:effectRef>
-          <a:fontRef idx="minor">
-            <a:schemeClr val="lt1"/>
-          </a:fontRef>
-        </p:style>
-        <p:txBody>
-          <a:bodyPr rtlCol="0" anchor="ctr"/>
-          <a:lstStyle/>
-          <a:p>
-            <a:pPr algn="ctr"/>
-            <a:endParaRPr lang="en-US"/>
-          </a:p>
-        </p:txBody>
-      </p:sp>
-      <p:sp>
-        <p:nvSpPr>
-          <p:cNvPr id="5" name="Title 4">
-            <a:extLst>
-              <a:ext uri="{FF2B5EF4-FFF2-40B4-BE49-F238E27FC236}">
-                <a16:creationId xmlns:a16="http://schemas.microsoft.com/office/drawing/2014/main" id="{35CCA296-AF0D-4827-AC3E-0DEB67F076E5}"/>
-              </a:ext>
-            </a:extLst>
-          </p:cNvPr>
-          <p:cNvSpPr>
-            <a:spLocks noGrp="1"/>
-          </p:cNvSpPr>
-          <p:nvPr>
-            <p:ph type="title"/>
-          </p:nvPr>
-        </p:nvSpPr>
-        <p:spPr>
-          <a:xfrm>
-            <a:off x="965199" y="885433"/>
-            <a:ext cx="10261602" cy="3022257"/>
-          </a:xfrm>
-          <a:effectLst/>
-        </p:spPr>
-        <p:txBody>
-          <a:bodyPr vert="horz" lIns="91440" tIns="45720" rIns="91440" bIns="45720" rtlCol="0" anchor="b">
-            <a:normAutofit/>
-          </a:bodyPr>
-          <a:lstStyle/>
-          <a:p>
-            <a:pPr algn="ctr"/>
-            <a:r>
-              <a:rPr lang="en-US" sz="7200" dirty="0">
-                <a:solidFill>
-                  <a:schemeClr val="tx1"/>
-                </a:solidFill>
-              </a:rPr>
-              <a:t>Feature Selection</a:t>
-            </a:r>
-          </a:p>
-        </p:txBody>
-      </p:sp>
-      <p:sp>
-        <p:nvSpPr>
-          <p:cNvPr id="14" name="Freeform: Shape 13">
-            <a:extLst>
-              <a:ext uri="{FF2B5EF4-FFF2-40B4-BE49-F238E27FC236}">
-                <a16:creationId xmlns:a16="http://schemas.microsoft.com/office/drawing/2014/main" id="{D360EBE3-31BB-422F-AA87-FA3873DAE484}"/>
-              </a:ext>
-              <a:ext uri="{C183D7F6-B498-43B3-948B-1728B52AA6E4}">
-                <adec:decorative xmlns:adec="http://schemas.microsoft.com/office/drawing/2017/decorative" val="1"/>
-              </a:ext>
-            </a:extLst>
-          </p:cNvPr>
-          <p:cNvSpPr>
-            <a:spLocks noGrp="1" noRot="1" noChangeAspect="1" noMove="1" noResize="1" noEditPoints="1" noAdjustHandles="1" noChangeArrowheads="1" noChangeShapeType="1" noTextEdit="1"/>
-          </p:cNvSpPr>
-          <p:nvPr>
-            <p:extLst>
-              <p:ext uri="{386F3935-93C4-4BCD-93E2-E3B085C9AB24}">
-                <p16:designElem xmlns:p16="http://schemas.microsoft.com/office/powerpoint/2015/main" val="1"/>
-              </p:ext>
-            </p:extLst>
-          </p:nvPr>
-        </p:nvSpPr>
-        <p:spPr bwMode="auto">
-          <a:xfrm rot="10800000">
-            <a:off x="0" y="5388384"/>
-            <a:ext cx="12192000" cy="1469616"/>
-          </a:xfrm>
-          <a:custGeom>
-            <a:avLst/>
-            <a:gdLst>
-              <a:gd name="connsiteX0" fmla="*/ 6113881 w 12192000"/>
-              <a:gd name="connsiteY0" fmla="*/ 1469616 h 1469616"/>
-              <a:gd name="connsiteX1" fmla="*/ 6101181 w 12192000"/>
-              <a:gd name="connsiteY1" fmla="*/ 1469616 h 1469616"/>
-              <a:gd name="connsiteX2" fmla="*/ 6090598 w 12192000"/>
-              <a:gd name="connsiteY2" fmla="*/ 1469616 h 1469616"/>
-              <a:gd name="connsiteX3" fmla="*/ 6077897 w 12192000"/>
-              <a:gd name="connsiteY3" fmla="*/ 1464854 h 1469616"/>
-              <a:gd name="connsiteX4" fmla="*/ 6065198 w 12192000"/>
-              <a:gd name="connsiteY4" fmla="*/ 1460091 h 1469616"/>
-              <a:gd name="connsiteX5" fmla="*/ 6056731 w 12192000"/>
-              <a:gd name="connsiteY5" fmla="*/ 1456916 h 1469616"/>
-              <a:gd name="connsiteX6" fmla="*/ 5678033 w 12192000"/>
-              <a:gd name="connsiteY6" fmla="*/ 1172892 h 1469616"/>
-              <a:gd name="connsiteX7" fmla="*/ 0 w 12192000"/>
-              <a:gd name="connsiteY7" fmla="*/ 1172892 h 1469616"/>
-              <a:gd name="connsiteX8" fmla="*/ 0 w 12192000"/>
-              <a:gd name="connsiteY8" fmla="*/ 1162370 h 1469616"/>
-              <a:gd name="connsiteX9" fmla="*/ 0 w 12192000"/>
-              <a:gd name="connsiteY9" fmla="*/ 403347 h 1469616"/>
-              <a:gd name="connsiteX10" fmla="*/ 0 w 12192000"/>
-              <a:gd name="connsiteY10" fmla="*/ 0 h 1469616"/>
-              <a:gd name="connsiteX11" fmla="*/ 12192000 w 12192000"/>
-              <a:gd name="connsiteY11" fmla="*/ 0 h 1469616"/>
-              <a:gd name="connsiteX12" fmla="*/ 12192000 w 12192000"/>
-              <a:gd name="connsiteY12" fmla="*/ 403347 h 1469616"/>
-              <a:gd name="connsiteX13" fmla="*/ 12192000 w 12192000"/>
-              <a:gd name="connsiteY13" fmla="*/ 1162370 h 1469616"/>
-              <a:gd name="connsiteX14" fmla="*/ 12192000 w 12192000"/>
-              <a:gd name="connsiteY14" fmla="*/ 1172892 h 1469616"/>
-              <a:gd name="connsiteX15" fmla="*/ 6524330 w 12192000"/>
-              <a:gd name="connsiteY15" fmla="*/ 1172892 h 1469616"/>
-              <a:gd name="connsiteX16" fmla="*/ 6145631 w 12192000"/>
-              <a:gd name="connsiteY16" fmla="*/ 1456916 h 1469616"/>
-              <a:gd name="connsiteX17" fmla="*/ 6137163 w 12192000"/>
-              <a:gd name="connsiteY17" fmla="*/ 1460091 h 1469616"/>
-              <a:gd name="connsiteX18" fmla="*/ 6124463 w 12192000"/>
-              <a:gd name="connsiteY18" fmla="*/ 1464854 h 1469616"/>
-            </a:gdLst>
-            <a:ahLst/>
-            <a:cxnLst>
-              <a:cxn ang="0">
-                <a:pos x="connsiteX0" y="connsiteY0"/>
-              </a:cxn>
-              <a:cxn ang="0">
-                <a:pos x="connsiteX1" y="connsiteY1"/>
-              </a:cxn>
-              <a:cxn ang="0">
-                <a:pos x="connsiteX2" y="connsiteY2"/>
-              </a:cxn>
-              <a:cxn ang="0">
-                <a:pos x="connsiteX3" y="connsiteY3"/>
-              </a:cxn>
-              <a:cxn ang="0">
-                <a:pos x="connsiteX4" y="connsiteY4"/>
-              </a:cxn>
-              <a:cxn ang="0">
-                <a:pos x="connsiteX5" y="connsiteY5"/>
-              </a:cxn>
-              <a:cxn ang="0">
-                <a:pos x="connsiteX6" y="connsiteY6"/>
-              </a:cxn>
-              <a:cxn ang="0">
-                <a:pos x="connsiteX7" y="connsiteY7"/>
-              </a:cxn>
-              <a:cxn ang="0">
-                <a:pos x="connsiteX8" y="connsiteY8"/>
-              </a:cxn>
-              <a:cxn ang="0">
-                <a:pos x="connsiteX9" y="connsiteY9"/>
-              </a:cxn>
-              <a:cxn ang="0">
-                <a:pos x="connsiteX10" y="connsiteY10"/>
-              </a:cxn>
-              <a:cxn ang="0">
-                <a:pos x="connsiteX11" y="connsiteY11"/>
-              </a:cxn>
-              <a:cxn ang="0">
-                <a:pos x="connsiteX12" y="connsiteY12"/>
-              </a:cxn>
-              <a:cxn ang="0">
-                <a:pos x="connsiteX13" y="connsiteY13"/>
-              </a:cxn>
-              <a:cxn ang="0">
-                <a:pos x="connsiteX14" y="connsiteY14"/>
-              </a:cxn>
-              <a:cxn ang="0">
-                <a:pos x="connsiteX15" y="connsiteY15"/>
-              </a:cxn>
-              <a:cxn ang="0">
-                <a:pos x="connsiteX16" y="connsiteY16"/>
-              </a:cxn>
-              <a:cxn ang="0">
-                <a:pos x="connsiteX17" y="connsiteY17"/>
-              </a:cxn>
-              <a:cxn ang="0">
-                <a:pos x="connsiteX18" y="connsiteY18"/>
-              </a:cxn>
-            </a:cxnLst>
-            <a:rect l="l" t="t" r="r" b="b"/>
-            <a:pathLst>
-              <a:path w="12192000" h="1469616">
-                <a:moveTo>
-                  <a:pt x="6113881" y="1469616"/>
-                </a:moveTo>
-                <a:lnTo>
-                  <a:pt x="6101181" y="1469616"/>
-                </a:lnTo>
-                <a:lnTo>
-                  <a:pt x="6090598" y="1469616"/>
-                </a:lnTo>
-                <a:lnTo>
-                  <a:pt x="6077897" y="1464854"/>
-                </a:lnTo>
-                <a:lnTo>
-                  <a:pt x="6065198" y="1460091"/>
-                </a:lnTo>
-                <a:lnTo>
-                  <a:pt x="6056731" y="1456916"/>
-                </a:lnTo>
-                <a:lnTo>
-                  <a:pt x="5678033" y="1172892"/>
-                </a:lnTo>
-                <a:lnTo>
-                  <a:pt x="0" y="1172892"/>
-                </a:lnTo>
-                <a:lnTo>
-                  <a:pt x="0" y="1162370"/>
-                </a:lnTo>
-                <a:lnTo>
-                  <a:pt x="0" y="403347"/>
-                </a:lnTo>
-                <a:lnTo>
-                  <a:pt x="0" y="0"/>
-                </a:lnTo>
-                <a:lnTo>
-                  <a:pt x="12192000" y="0"/>
-                </a:lnTo>
-                <a:lnTo>
-                  <a:pt x="12192000" y="403347"/>
-                </a:lnTo>
-                <a:lnTo>
-                  <a:pt x="12192000" y="1162370"/>
-                </a:lnTo>
-                <a:lnTo>
-                  <a:pt x="12192000" y="1172892"/>
-                </a:lnTo>
-                <a:lnTo>
-                  <a:pt x="6524330" y="1172892"/>
-                </a:lnTo>
-                <a:lnTo>
-                  <a:pt x="6145631" y="1456916"/>
-                </a:lnTo>
-                <a:lnTo>
-                  <a:pt x="6137163" y="1460091"/>
-                </a:lnTo>
-                <a:lnTo>
-                  <a:pt x="6124463" y="1464854"/>
-                </a:lnTo>
-                <a:close/>
-              </a:path>
-            </a:pathLst>
-          </a:custGeom>
-          <a:ln>
-            <a:noFill/>
-          </a:ln>
-          <a:effectLst/>
-          <a:extLst>
-            <a:ext uri="{91240B29-F687-4f45-9708-019B960494DF}">
-              <a14:hiddenLine xmlns="" xmlns:a16="http://schemas.microsoft.com/office/drawing/2014/main" xmlns:p14="http://schemas.microsoft.com/office/powerpoint/2010/main" xmlns:a14="http://schemas.microsoft.com/office/drawing/2010/main" w="9525">
-                <a:solidFill>
-                  <a:srgbClr val="000000"/>
-                </a:solidFill>
-                <a:round/>
-                <a:headEnd/>
-                <a:tailEnd/>
-              </a14:hiddenLine>
-            </a:ext>
-          </a:extLst>
-        </p:spPr>
-        <p:style>
-          <a:lnRef idx="1">
-            <a:schemeClr val="accent1"/>
-          </a:lnRef>
-          <a:fillRef idx="3">
-            <a:schemeClr val="accent1"/>
-          </a:fillRef>
-          <a:effectRef idx="2">
-            <a:schemeClr val="accent1"/>
-          </a:effectRef>
-          <a:fontRef idx="minor">
-            <a:schemeClr val="lt1"/>
-          </a:fontRef>
-        </p:style>
-        <p:txBody>
-          <a:bodyPr/>
-          <a:lstStyle/>
-          <a:p>
-            <a:endParaRPr lang="en-US"/>
-          </a:p>
-        </p:txBody>
-      </p:sp>
-    </p:spTree>
-    <p:extLst>
-      <p:ext uri="{BB962C8B-B14F-4D97-AF65-F5344CB8AC3E}">
-        <p14:creationId xmlns:p14="http://schemas.microsoft.com/office/powerpoint/2010/main" val="412696168"/>
       </p:ext>
     </p:extLst>
   </p:cSld>
